--- a/Prez Pyconfr.pptx
+++ b/Prez Pyconfr.pptx
@@ -8,8 +8,9 @@
     <p:sldId id="256" r:id="rId2"/>
     <p:sldId id="260" r:id="rId3"/>
     <p:sldId id="259" r:id="rId4"/>
-    <p:sldId id="258" r:id="rId5"/>
-    <p:sldId id="257" r:id="rId6"/>
+    <p:sldId id="261" r:id="rId5"/>
+    <p:sldId id="258" r:id="rId6"/>
+    <p:sldId id="257" r:id="rId7"/>
   </p:sldIdLst>
   <p:sldSz cx="12192000" cy="6858000"/>
   <p:notesSz cx="6858000" cy="9144000"/>
@@ -108,6 +109,11 @@
       </a:defRPr>
     </a:lvl9pPr>
   </p:defaultTextStyle>
+  <p:extLst>
+    <p:ext uri="{EFAFB233-063F-42B5-8137-9DF3F51BA10A}">
+      <p15:sldGuideLst xmlns:p15="http://schemas.microsoft.com/office/powerpoint/2012/main"/>
+    </p:ext>
+  </p:extLst>
 </p:presentation>
 </file>
 
@@ -258,7 +264,7 @@
           <a:p>
             <a:fld id="{9DDEEEAB-3696-4A1E-8142-33E8C20CD148}" type="datetimeFigureOut">
               <a:rPr lang="fr-FR" smtClean="0"/>
-              <a:t>15/08/2025</a:t>
+              <a:t>25/08/2025</a:t>
             </a:fld>
             <a:endParaRPr lang="fr-FR"/>
           </a:p>
@@ -456,7 +462,7 @@
           <a:p>
             <a:fld id="{9DDEEEAB-3696-4A1E-8142-33E8C20CD148}" type="datetimeFigureOut">
               <a:rPr lang="fr-FR" smtClean="0"/>
-              <a:t>15/08/2025</a:t>
+              <a:t>25/08/2025</a:t>
             </a:fld>
             <a:endParaRPr lang="fr-FR"/>
           </a:p>
@@ -664,7 +670,7 @@
           <a:p>
             <a:fld id="{9DDEEEAB-3696-4A1E-8142-33E8C20CD148}" type="datetimeFigureOut">
               <a:rPr lang="fr-FR" smtClean="0"/>
-              <a:t>15/08/2025</a:t>
+              <a:t>25/08/2025</a:t>
             </a:fld>
             <a:endParaRPr lang="fr-FR"/>
           </a:p>
@@ -862,7 +868,7 @@
           <a:p>
             <a:fld id="{9DDEEEAB-3696-4A1E-8142-33E8C20CD148}" type="datetimeFigureOut">
               <a:rPr lang="fr-FR" smtClean="0"/>
-              <a:t>15/08/2025</a:t>
+              <a:t>25/08/2025</a:t>
             </a:fld>
             <a:endParaRPr lang="fr-FR"/>
           </a:p>
@@ -1137,7 +1143,7 @@
           <a:p>
             <a:fld id="{9DDEEEAB-3696-4A1E-8142-33E8C20CD148}" type="datetimeFigureOut">
               <a:rPr lang="fr-FR" smtClean="0"/>
-              <a:t>15/08/2025</a:t>
+              <a:t>25/08/2025</a:t>
             </a:fld>
             <a:endParaRPr lang="fr-FR"/>
           </a:p>
@@ -1402,7 +1408,7 @@
           <a:p>
             <a:fld id="{9DDEEEAB-3696-4A1E-8142-33E8C20CD148}" type="datetimeFigureOut">
               <a:rPr lang="fr-FR" smtClean="0"/>
-              <a:t>15/08/2025</a:t>
+              <a:t>25/08/2025</a:t>
             </a:fld>
             <a:endParaRPr lang="fr-FR"/>
           </a:p>
@@ -1814,7 +1820,7 @@
           <a:p>
             <a:fld id="{9DDEEEAB-3696-4A1E-8142-33E8C20CD148}" type="datetimeFigureOut">
               <a:rPr lang="fr-FR" smtClean="0"/>
-              <a:t>15/08/2025</a:t>
+              <a:t>25/08/2025</a:t>
             </a:fld>
             <a:endParaRPr lang="fr-FR"/>
           </a:p>
@@ -1955,7 +1961,7 @@
           <a:p>
             <a:fld id="{9DDEEEAB-3696-4A1E-8142-33E8C20CD148}" type="datetimeFigureOut">
               <a:rPr lang="fr-FR" smtClean="0"/>
-              <a:t>15/08/2025</a:t>
+              <a:t>25/08/2025</a:t>
             </a:fld>
             <a:endParaRPr lang="fr-FR"/>
           </a:p>
@@ -2068,7 +2074,7 @@
           <a:p>
             <a:fld id="{9DDEEEAB-3696-4A1E-8142-33E8C20CD148}" type="datetimeFigureOut">
               <a:rPr lang="fr-FR" smtClean="0"/>
-              <a:t>15/08/2025</a:t>
+              <a:t>25/08/2025</a:t>
             </a:fld>
             <a:endParaRPr lang="fr-FR"/>
           </a:p>
@@ -2379,7 +2385,7 @@
           <a:p>
             <a:fld id="{9DDEEEAB-3696-4A1E-8142-33E8C20CD148}" type="datetimeFigureOut">
               <a:rPr lang="fr-FR" smtClean="0"/>
-              <a:t>15/08/2025</a:t>
+              <a:t>25/08/2025</a:t>
             </a:fld>
             <a:endParaRPr lang="fr-FR"/>
           </a:p>
@@ -2667,7 +2673,7 @@
           <a:p>
             <a:fld id="{9DDEEEAB-3696-4A1E-8142-33E8C20CD148}" type="datetimeFigureOut">
               <a:rPr lang="fr-FR" smtClean="0"/>
-              <a:t>15/08/2025</a:t>
+              <a:t>25/08/2025</a:t>
             </a:fld>
             <a:endParaRPr lang="fr-FR"/>
           </a:p>
@@ -2908,7 +2914,7 @@
           <a:p>
             <a:fld id="{9DDEEEAB-3696-4A1E-8142-33E8C20CD148}" type="datetimeFigureOut">
               <a:rPr lang="fr-FR" smtClean="0"/>
-              <a:t>15/08/2025</a:t>
+              <a:t>25/08/2025</a:t>
             </a:fld>
             <a:endParaRPr lang="fr-FR"/>
           </a:p>
@@ -3346,7 +3352,18 @@
           <a:bodyPr/>
           <a:lstStyle/>
           <a:p>
-            <a:endParaRPr lang="fr-FR" dirty="0"/>
+            <a:r>
+              <a:rPr lang="fr-FR" dirty="0"/>
+              <a:t>Conférence </a:t>
+            </a:r>
+            <a:r>
+              <a:rPr lang="fr-FR" dirty="0" err="1"/>
+              <a:t>PyconFR</a:t>
+            </a:r>
+            <a:r>
+              <a:rPr lang="fr-FR" dirty="0"/>
+              <a:t> 2025</a:t>
+            </a:r>
           </a:p>
         </p:txBody>
       </p:sp>
@@ -3371,7 +3388,10 @@
           <a:bodyPr/>
           <a:lstStyle/>
           <a:p>
-            <a:endParaRPr lang="fr-FR"/>
+            <a:r>
+              <a:rPr lang="fr-FR" dirty="0"/>
+              <a:t>Lyon</a:t>
+            </a:r>
           </a:p>
         </p:txBody>
       </p:sp>
@@ -3452,13 +3472,13 @@
         <p:spPr/>
         <p:txBody>
           <a:bodyPr>
-            <a:normAutofit fontScale="92500" lnSpcReduction="10000"/>
+            <a:normAutofit fontScale="85000" lnSpcReduction="20000"/>
           </a:bodyPr>
           <a:lstStyle/>
           <a:p>
             <a:r>
               <a:rPr lang="fr-FR" dirty="0"/>
-              <a:t>L’écriture du code devient simple mais sa validation et sa correction plus compliquées. Déplacement du travail vers la vérification</a:t>
+              <a:t>L’écriture du code devient simple mais sa validation et sa correction plus compliquées. Déplacement du travail vers la vérification (comme pour les traducteurs)</a:t>
             </a:r>
           </a:p>
           <a:p>
@@ -3470,13 +3490,19 @@
           <a:p>
             <a:r>
               <a:rPr lang="fr-FR" dirty="0"/>
+              <a:t>Ecriture de code permettait de monter en compétences</a:t>
+            </a:r>
+          </a:p>
+          <a:p>
+            <a:r>
+              <a:rPr lang="fr-FR" dirty="0"/>
               <a:t>Désengagement </a:t>
             </a:r>
           </a:p>
           <a:p>
             <a:r>
               <a:rPr lang="fr-FR" dirty="0"/>
-              <a:t>Confiance excessive dans le code généré par l’IA</a:t>
+              <a:t>Confiance excessive dans le code généré par l’IA mais la responsabilité ne change pas et reste au développeur</a:t>
             </a:r>
           </a:p>
           <a:p>
@@ -3593,6 +3619,15 @@
             </a:r>
           </a:p>
           <a:p>
+            <a:pPr marL="0" indent="0">
+              <a:buNone/>
+            </a:pPr>
+            <a:r>
+              <a:rPr lang="fr-FR" dirty="0"/>
+              <a:t>Ouverture de la puissance de code à des métiers qui ne l’utilisent pas directement mais pas de conceptions complexes car limites à la compréhension globale</a:t>
+            </a:r>
+          </a:p>
+          <a:p>
             <a:endParaRPr lang="fr-FR" dirty="0"/>
           </a:p>
           <a:p>
@@ -3638,6 +3673,99 @@
           <p:cNvPr id="2" name="Titre 1">
             <a:extLst>
               <a:ext uri="{FF2B5EF4-FFF2-40B4-BE49-F238E27FC236}">
+                <a16:creationId xmlns:a16="http://schemas.microsoft.com/office/drawing/2014/main" id="{40D2B419-4E01-D8E8-F79F-8879328E5098}"/>
+              </a:ext>
+            </a:extLst>
+          </p:cNvPr>
+          <p:cNvSpPr>
+            <a:spLocks noGrp="1"/>
+          </p:cNvSpPr>
+          <p:nvPr>
+            <p:ph type="title"/>
+          </p:nvPr>
+        </p:nvSpPr>
+        <p:spPr/>
+        <p:txBody>
+          <a:bodyPr/>
+          <a:lstStyle/>
+          <a:p>
+            <a:r>
+              <a:rPr lang="fr-FR" dirty="0"/>
+              <a:t>Retours d’expérience</a:t>
+            </a:r>
+          </a:p>
+        </p:txBody>
+      </p:sp>
+      <p:sp>
+        <p:nvSpPr>
+          <p:cNvPr id="3" name="Espace réservé du contenu 2">
+            <a:extLst>
+              <a:ext uri="{FF2B5EF4-FFF2-40B4-BE49-F238E27FC236}">
+                <a16:creationId xmlns:a16="http://schemas.microsoft.com/office/drawing/2014/main" id="{672391AD-E916-36DA-CD93-59521E7501F0}"/>
+              </a:ext>
+            </a:extLst>
+          </p:cNvPr>
+          <p:cNvSpPr>
+            <a:spLocks noGrp="1"/>
+          </p:cNvSpPr>
+          <p:nvPr>
+            <p:ph idx="1"/>
+          </p:nvPr>
+        </p:nvSpPr>
+        <p:spPr/>
+        <p:txBody>
+          <a:bodyPr/>
+          <a:lstStyle/>
+          <a:p>
+            <a:pPr marL="0" indent="0">
+              <a:buNone/>
+            </a:pPr>
+            <a:r>
+              <a:rPr lang="fr-FR" dirty="0"/>
+              <a:t>Meilleurs étudiants : utilisent l’IA pour des tâches petites et </a:t>
+            </a:r>
+            <a:r>
+              <a:rPr lang="fr-FR"/>
+              <a:t>bien définies</a:t>
+            </a:r>
+          </a:p>
+        </p:txBody>
+      </p:sp>
+    </p:spTree>
+    <p:extLst>
+      <p:ext uri="{BB962C8B-B14F-4D97-AF65-F5344CB8AC3E}">
+        <p14:creationId xmlns:p14="http://schemas.microsoft.com/office/powerpoint/2010/main" val="39100074"/>
+      </p:ext>
+    </p:extLst>
+  </p:cSld>
+  <p:clrMapOvr>
+    <a:masterClrMapping/>
+  </p:clrMapOvr>
+</p:sld>
+</file>
+
+<file path=ppt/slides/slide5.xml><?xml version="1.0" encoding="utf-8"?>
+<p:sld xmlns:a="http://schemas.openxmlformats.org/drawingml/2006/main" xmlns:r="http://schemas.openxmlformats.org/officeDocument/2006/relationships" xmlns:p="http://schemas.openxmlformats.org/presentationml/2006/main">
+  <p:cSld>
+    <p:spTree>
+      <p:nvGrpSpPr>
+        <p:cNvPr id="1" name=""/>
+        <p:cNvGrpSpPr/>
+        <p:nvPr/>
+      </p:nvGrpSpPr>
+      <p:grpSpPr>
+        <a:xfrm>
+          <a:off x="0" y="0"/>
+          <a:ext cx="0" cy="0"/>
+          <a:chOff x="0" y="0"/>
+          <a:chExt cx="0" cy="0"/>
+        </a:xfrm>
+      </p:grpSpPr>
+      <p:sp>
+        <p:nvSpPr>
+          <p:cNvPr id="2" name="Titre 1">
+            <a:extLst>
+              <a:ext uri="{FF2B5EF4-FFF2-40B4-BE49-F238E27FC236}">
                 <a16:creationId xmlns:a16="http://schemas.microsoft.com/office/drawing/2014/main" id="{BBE08483-BD30-D2D2-03B1-E29D1E6D1528}"/>
               </a:ext>
             </a:extLst>
@@ -3720,7 +3848,7 @@
 </p:sld>
 </file>
 
-<file path=ppt/slides/slide5.xml><?xml version="1.0" encoding="utf-8"?>
+<file path=ppt/slides/slide6.xml><?xml version="1.0" encoding="utf-8"?>
 <p:sld xmlns:a="http://schemas.openxmlformats.org/drawingml/2006/main" xmlns:r="http://schemas.openxmlformats.org/officeDocument/2006/relationships" xmlns:p="http://schemas.openxmlformats.org/presentationml/2006/main">
   <p:cSld>
     <p:spTree>

--- a/Prez Pyconfr.pptx
+++ b/Prez Pyconfr.pptx
@@ -10,7 +10,13 @@
     <p:sldId id="259" r:id="rId4"/>
     <p:sldId id="261" r:id="rId5"/>
     <p:sldId id="258" r:id="rId6"/>
-    <p:sldId id="257" r:id="rId7"/>
+    <p:sldId id="263" r:id="rId7"/>
+    <p:sldId id="262" r:id="rId8"/>
+    <p:sldId id="265" r:id="rId9"/>
+    <p:sldId id="266" r:id="rId10"/>
+    <p:sldId id="267" r:id="rId11"/>
+    <p:sldId id="257" r:id="rId12"/>
+    <p:sldId id="264" r:id="rId13"/>
   </p:sldIdLst>
   <p:sldSz cx="12192000" cy="6858000"/>
   <p:notesSz cx="6858000" cy="9144000"/>
@@ -264,7 +270,7 @@
           <a:p>
             <a:fld id="{9DDEEEAB-3696-4A1E-8142-33E8C20CD148}" type="datetimeFigureOut">
               <a:rPr lang="fr-FR" smtClean="0"/>
-              <a:t>25/08/2025</a:t>
+              <a:t>26/08/2025</a:t>
             </a:fld>
             <a:endParaRPr lang="fr-FR"/>
           </a:p>
@@ -462,7 +468,7 @@
           <a:p>
             <a:fld id="{9DDEEEAB-3696-4A1E-8142-33E8C20CD148}" type="datetimeFigureOut">
               <a:rPr lang="fr-FR" smtClean="0"/>
-              <a:t>25/08/2025</a:t>
+              <a:t>26/08/2025</a:t>
             </a:fld>
             <a:endParaRPr lang="fr-FR"/>
           </a:p>
@@ -670,7 +676,7 @@
           <a:p>
             <a:fld id="{9DDEEEAB-3696-4A1E-8142-33E8C20CD148}" type="datetimeFigureOut">
               <a:rPr lang="fr-FR" smtClean="0"/>
-              <a:t>25/08/2025</a:t>
+              <a:t>26/08/2025</a:t>
             </a:fld>
             <a:endParaRPr lang="fr-FR"/>
           </a:p>
@@ -868,7 +874,7 @@
           <a:p>
             <a:fld id="{9DDEEEAB-3696-4A1E-8142-33E8C20CD148}" type="datetimeFigureOut">
               <a:rPr lang="fr-FR" smtClean="0"/>
-              <a:t>25/08/2025</a:t>
+              <a:t>26/08/2025</a:t>
             </a:fld>
             <a:endParaRPr lang="fr-FR"/>
           </a:p>
@@ -1143,7 +1149,7 @@
           <a:p>
             <a:fld id="{9DDEEEAB-3696-4A1E-8142-33E8C20CD148}" type="datetimeFigureOut">
               <a:rPr lang="fr-FR" smtClean="0"/>
-              <a:t>25/08/2025</a:t>
+              <a:t>26/08/2025</a:t>
             </a:fld>
             <a:endParaRPr lang="fr-FR"/>
           </a:p>
@@ -1408,7 +1414,7 @@
           <a:p>
             <a:fld id="{9DDEEEAB-3696-4A1E-8142-33E8C20CD148}" type="datetimeFigureOut">
               <a:rPr lang="fr-FR" smtClean="0"/>
-              <a:t>25/08/2025</a:t>
+              <a:t>26/08/2025</a:t>
             </a:fld>
             <a:endParaRPr lang="fr-FR"/>
           </a:p>
@@ -1820,7 +1826,7 @@
           <a:p>
             <a:fld id="{9DDEEEAB-3696-4A1E-8142-33E8C20CD148}" type="datetimeFigureOut">
               <a:rPr lang="fr-FR" smtClean="0"/>
-              <a:t>25/08/2025</a:t>
+              <a:t>26/08/2025</a:t>
             </a:fld>
             <a:endParaRPr lang="fr-FR"/>
           </a:p>
@@ -1961,7 +1967,7 @@
           <a:p>
             <a:fld id="{9DDEEEAB-3696-4A1E-8142-33E8C20CD148}" type="datetimeFigureOut">
               <a:rPr lang="fr-FR" smtClean="0"/>
-              <a:t>25/08/2025</a:t>
+              <a:t>26/08/2025</a:t>
             </a:fld>
             <a:endParaRPr lang="fr-FR"/>
           </a:p>
@@ -2074,7 +2080,7 @@
           <a:p>
             <a:fld id="{9DDEEEAB-3696-4A1E-8142-33E8C20CD148}" type="datetimeFigureOut">
               <a:rPr lang="fr-FR" smtClean="0"/>
-              <a:t>25/08/2025</a:t>
+              <a:t>26/08/2025</a:t>
             </a:fld>
             <a:endParaRPr lang="fr-FR"/>
           </a:p>
@@ -2385,7 +2391,7 @@
           <a:p>
             <a:fld id="{9DDEEEAB-3696-4A1E-8142-33E8C20CD148}" type="datetimeFigureOut">
               <a:rPr lang="fr-FR" smtClean="0"/>
-              <a:t>25/08/2025</a:t>
+              <a:t>26/08/2025</a:t>
             </a:fld>
             <a:endParaRPr lang="fr-FR"/>
           </a:p>
@@ -2673,7 +2679,7 @@
           <a:p>
             <a:fld id="{9DDEEEAB-3696-4A1E-8142-33E8C20CD148}" type="datetimeFigureOut">
               <a:rPr lang="fr-FR" smtClean="0"/>
-              <a:t>25/08/2025</a:t>
+              <a:t>26/08/2025</a:t>
             </a:fld>
             <a:endParaRPr lang="fr-FR"/>
           </a:p>
@@ -2914,7 +2920,7 @@
           <a:p>
             <a:fld id="{9DDEEEAB-3696-4A1E-8142-33E8C20CD148}" type="datetimeFigureOut">
               <a:rPr lang="fr-FR" smtClean="0"/>
-              <a:t>25/08/2025</a:t>
+              <a:t>26/08/2025</a:t>
             </a:fld>
             <a:endParaRPr lang="fr-FR"/>
           </a:p>
@@ -3408,6 +3414,403 @@
 </p:sld>
 </file>
 
+<file path=ppt/slides/slide10.xml><?xml version="1.0" encoding="utf-8"?>
+<p:sld xmlns:a="http://schemas.openxmlformats.org/drawingml/2006/main" xmlns:r="http://schemas.openxmlformats.org/officeDocument/2006/relationships" xmlns:p="http://schemas.openxmlformats.org/presentationml/2006/main">
+  <p:cSld>
+    <p:spTree>
+      <p:nvGrpSpPr>
+        <p:cNvPr id="1" name=""/>
+        <p:cNvGrpSpPr/>
+        <p:nvPr/>
+      </p:nvGrpSpPr>
+      <p:grpSpPr>
+        <a:xfrm>
+          <a:off x="0" y="0"/>
+          <a:ext cx="0" cy="0"/>
+          <a:chOff x="0" y="0"/>
+          <a:chExt cx="0" cy="0"/>
+        </a:xfrm>
+      </p:grpSpPr>
+      <p:sp>
+        <p:nvSpPr>
+          <p:cNvPr id="2" name="Titre 1">
+            <a:extLst>
+              <a:ext uri="{FF2B5EF4-FFF2-40B4-BE49-F238E27FC236}">
+                <a16:creationId xmlns:a16="http://schemas.microsoft.com/office/drawing/2014/main" id="{B85E14DF-1F96-BB1D-8F38-E8BA6E672803}"/>
+              </a:ext>
+            </a:extLst>
+          </p:cNvPr>
+          <p:cNvSpPr>
+            <a:spLocks noGrp="1"/>
+          </p:cNvSpPr>
+          <p:nvPr>
+            <p:ph type="title"/>
+          </p:nvPr>
+        </p:nvSpPr>
+        <p:spPr/>
+        <p:txBody>
+          <a:bodyPr/>
+          <a:lstStyle/>
+          <a:p>
+            <a:r>
+              <a:rPr lang="fr-FR" dirty="0"/>
+              <a:t>Nouveau type de dette technique</a:t>
+            </a:r>
+          </a:p>
+        </p:txBody>
+      </p:sp>
+      <p:sp>
+        <p:nvSpPr>
+          <p:cNvPr id="3" name="Espace réservé du contenu 2">
+            <a:extLst>
+              <a:ext uri="{FF2B5EF4-FFF2-40B4-BE49-F238E27FC236}">
+                <a16:creationId xmlns:a16="http://schemas.microsoft.com/office/drawing/2014/main" id="{E77A88B8-CCA3-7548-1F2A-BCA863E86E8C}"/>
+              </a:ext>
+            </a:extLst>
+          </p:cNvPr>
+          <p:cNvSpPr>
+            <a:spLocks noGrp="1"/>
+          </p:cNvSpPr>
+          <p:nvPr>
+            <p:ph idx="1"/>
+          </p:nvPr>
+        </p:nvSpPr>
+        <p:spPr/>
+        <p:txBody>
+          <a:bodyPr/>
+          <a:lstStyle/>
+          <a:p>
+            <a:r>
+              <a:rPr lang="fr-FR" dirty="0"/>
+              <a:t>Pour des script métier de quelques 100 ou 1000 de lignes de code, on peut concentrer sur le résultat</a:t>
+            </a:r>
+          </a:p>
+        </p:txBody>
+      </p:sp>
+    </p:spTree>
+    <p:extLst>
+      <p:ext uri="{BB962C8B-B14F-4D97-AF65-F5344CB8AC3E}">
+        <p14:creationId xmlns:p14="http://schemas.microsoft.com/office/powerpoint/2010/main" val="2867169506"/>
+      </p:ext>
+    </p:extLst>
+  </p:cSld>
+  <p:clrMapOvr>
+    <a:masterClrMapping/>
+  </p:clrMapOvr>
+</p:sld>
+</file>
+
+<file path=ppt/slides/slide11.xml><?xml version="1.0" encoding="utf-8"?>
+<p:sld xmlns:a="http://schemas.openxmlformats.org/drawingml/2006/main" xmlns:r="http://schemas.openxmlformats.org/officeDocument/2006/relationships" xmlns:p="http://schemas.openxmlformats.org/presentationml/2006/main">
+  <p:cSld>
+    <p:spTree>
+      <p:nvGrpSpPr>
+        <p:cNvPr id="1" name=""/>
+        <p:cNvGrpSpPr/>
+        <p:nvPr/>
+      </p:nvGrpSpPr>
+      <p:grpSpPr>
+        <a:xfrm>
+          <a:off x="0" y="0"/>
+          <a:ext cx="0" cy="0"/>
+          <a:chOff x="0" y="0"/>
+          <a:chExt cx="0" cy="0"/>
+        </a:xfrm>
+      </p:grpSpPr>
+      <p:sp>
+        <p:nvSpPr>
+          <p:cNvPr id="2" name="Titre 1">
+            <a:extLst>
+              <a:ext uri="{FF2B5EF4-FFF2-40B4-BE49-F238E27FC236}">
+                <a16:creationId xmlns:a16="http://schemas.microsoft.com/office/drawing/2014/main" id="{12460BB9-8B40-1C49-AFDD-D59C677B0275}"/>
+              </a:ext>
+            </a:extLst>
+          </p:cNvPr>
+          <p:cNvSpPr>
+            <a:spLocks noGrp="1"/>
+          </p:cNvSpPr>
+          <p:nvPr>
+            <p:ph type="title"/>
+          </p:nvPr>
+        </p:nvSpPr>
+        <p:spPr/>
+        <p:txBody>
+          <a:bodyPr/>
+          <a:lstStyle/>
+          <a:p>
+            <a:r>
+              <a:rPr lang="fr-FR" dirty="0"/>
+              <a:t>Ressources</a:t>
+            </a:r>
+          </a:p>
+        </p:txBody>
+      </p:sp>
+      <p:sp>
+        <p:nvSpPr>
+          <p:cNvPr id="3" name="Espace réservé du contenu 2">
+            <a:extLst>
+              <a:ext uri="{FF2B5EF4-FFF2-40B4-BE49-F238E27FC236}">
+                <a16:creationId xmlns:a16="http://schemas.microsoft.com/office/drawing/2014/main" id="{4FD6ABBA-E376-83F9-08AE-FADD82679A82}"/>
+              </a:ext>
+            </a:extLst>
+          </p:cNvPr>
+          <p:cNvSpPr>
+            <a:spLocks noGrp="1"/>
+          </p:cNvSpPr>
+          <p:nvPr>
+            <p:ph idx="1"/>
+          </p:nvPr>
+        </p:nvSpPr>
+        <p:spPr/>
+        <p:txBody>
+          <a:bodyPr/>
+          <a:lstStyle/>
+          <a:p>
+            <a:pPr marL="0" indent="0">
+              <a:buNone/>
+            </a:pPr>
+            <a:r>
+              <a:rPr lang="en-US" dirty="0">
+                <a:hlinkClick r:id="rId2"/>
+              </a:rPr>
+              <a:t>The Effects of GitHub Copilot on Computing Students’ Programming Effectiveness, Efficiency, and Processes in Brownfield Programming Tasks</a:t>
+            </a:r>
+            <a:endParaRPr lang="en-US" dirty="0"/>
+          </a:p>
+          <a:p>
+            <a:pPr marL="0" indent="0">
+              <a:buNone/>
+            </a:pPr>
+            <a:r>
+              <a:rPr lang="en-US" dirty="0">
+                <a:hlinkClick r:id="rId3"/>
+              </a:rPr>
+              <a:t>How Scientists Use Large Language Models to Program</a:t>
+            </a:r>
+            <a:endParaRPr lang="en-US" dirty="0"/>
+          </a:p>
+          <a:p>
+            <a:pPr marL="0" indent="0">
+              <a:buNone/>
+            </a:pPr>
+            <a:r>
+              <a:rPr lang="en-US" dirty="0">
+                <a:hlinkClick r:id="rId4"/>
+              </a:rPr>
+              <a:t>Programming Is Hard– Or at Least It Used to Be: Educational</a:t>
+            </a:r>
+          </a:p>
+          <a:p>
+            <a:pPr marL="0" indent="0">
+              <a:buNone/>
+            </a:pPr>
+            <a:r>
+              <a:rPr lang="en-US" dirty="0">
+                <a:hlinkClick r:id="rId4"/>
+              </a:rPr>
+              <a:t> Opportunities and Challenges of AI Code Generation</a:t>
+            </a:r>
+            <a:endParaRPr lang="en-US" dirty="0"/>
+          </a:p>
+          <a:p>
+            <a:pPr marL="0" indent="0">
+              <a:buNone/>
+            </a:pPr>
+            <a:r>
+              <a:rPr lang="en-US" dirty="0">
+                <a:hlinkClick r:id="rId5"/>
+              </a:rPr>
+              <a:t>Teaching CS50 with AI - David J. Malan</a:t>
+            </a:r>
+            <a:endParaRPr lang="en-US" dirty="0"/>
+          </a:p>
+          <a:p>
+            <a:pPr marL="0" indent="0">
+              <a:buNone/>
+            </a:pPr>
+            <a:r>
+              <a:rPr lang="fr-FR" dirty="0">
+                <a:hlinkClick r:id="rId6"/>
+              </a:rPr>
+              <a:t>The </a:t>
+            </a:r>
+            <a:r>
+              <a:rPr lang="fr-FR" dirty="0" err="1">
+                <a:hlinkClick r:id="rId6"/>
+              </a:rPr>
+              <a:t>Role</a:t>
+            </a:r>
+            <a:r>
+              <a:rPr lang="fr-FR" dirty="0">
+                <a:hlinkClick r:id="rId6"/>
+              </a:rPr>
+              <a:t> of Code </a:t>
+            </a:r>
+            <a:r>
+              <a:rPr lang="fr-FR" dirty="0" err="1">
+                <a:hlinkClick r:id="rId6"/>
+              </a:rPr>
+              <a:t>Proficiency</a:t>
+            </a:r>
+            <a:r>
+              <a:rPr lang="fr-FR" dirty="0">
+                <a:hlinkClick r:id="rId6"/>
+              </a:rPr>
+              <a:t> in the </a:t>
+            </a:r>
+            <a:r>
+              <a:rPr lang="fr-FR" dirty="0" err="1">
+                <a:hlinkClick r:id="rId6"/>
+              </a:rPr>
+              <a:t>Era</a:t>
+            </a:r>
+            <a:r>
+              <a:rPr lang="fr-FR" dirty="0">
+                <a:hlinkClick r:id="rId6"/>
+              </a:rPr>
+              <a:t> of </a:t>
+            </a:r>
+            <a:r>
+              <a:rPr lang="fr-FR" dirty="0" err="1">
+                <a:hlinkClick r:id="rId6"/>
+              </a:rPr>
+              <a:t>Generative</a:t>
+            </a:r>
+            <a:r>
+              <a:rPr lang="fr-FR" dirty="0">
+                <a:hlinkClick r:id="rId6"/>
+              </a:rPr>
+              <a:t> AI</a:t>
+            </a:r>
+            <a:endParaRPr lang="fr-FR" dirty="0"/>
+          </a:p>
+        </p:txBody>
+      </p:sp>
+    </p:spTree>
+    <p:extLst>
+      <p:ext uri="{BB962C8B-B14F-4D97-AF65-F5344CB8AC3E}">
+        <p14:creationId xmlns:p14="http://schemas.microsoft.com/office/powerpoint/2010/main" val="3336245993"/>
+      </p:ext>
+    </p:extLst>
+  </p:cSld>
+  <p:clrMapOvr>
+    <a:masterClrMapping/>
+  </p:clrMapOvr>
+</p:sld>
+</file>
+
+<file path=ppt/slides/slide12.xml><?xml version="1.0" encoding="utf-8"?>
+<p:sld xmlns:a="http://schemas.openxmlformats.org/drawingml/2006/main" xmlns:r="http://schemas.openxmlformats.org/officeDocument/2006/relationships" xmlns:p="http://schemas.openxmlformats.org/presentationml/2006/main">
+  <p:cSld>
+    <p:spTree>
+      <p:nvGrpSpPr>
+        <p:cNvPr id="1" name=""/>
+        <p:cNvGrpSpPr/>
+        <p:nvPr/>
+      </p:nvGrpSpPr>
+      <p:grpSpPr>
+        <a:xfrm>
+          <a:off x="0" y="0"/>
+          <a:ext cx="0" cy="0"/>
+          <a:chOff x="0" y="0"/>
+          <a:chExt cx="0" cy="0"/>
+        </a:xfrm>
+      </p:grpSpPr>
+      <p:sp>
+        <p:nvSpPr>
+          <p:cNvPr id="2" name="Titre 1">
+            <a:extLst>
+              <a:ext uri="{FF2B5EF4-FFF2-40B4-BE49-F238E27FC236}">
+                <a16:creationId xmlns:a16="http://schemas.microsoft.com/office/drawing/2014/main" id="{78452E62-F4BB-5F14-1418-F49F5AC63159}"/>
+              </a:ext>
+            </a:extLst>
+          </p:cNvPr>
+          <p:cNvSpPr>
+            <a:spLocks noGrp="1"/>
+          </p:cNvSpPr>
+          <p:nvPr>
+            <p:ph type="title"/>
+          </p:nvPr>
+        </p:nvSpPr>
+        <p:spPr/>
+        <p:txBody>
+          <a:bodyPr/>
+          <a:lstStyle/>
+          <a:p>
+            <a:r>
+              <a:rPr lang="fr-FR" dirty="0"/>
+              <a:t>Cours</a:t>
+            </a:r>
+          </a:p>
+        </p:txBody>
+      </p:sp>
+      <p:sp>
+        <p:nvSpPr>
+          <p:cNvPr id="3" name="Espace réservé du contenu 2">
+            <a:extLst>
+              <a:ext uri="{FF2B5EF4-FFF2-40B4-BE49-F238E27FC236}">
+                <a16:creationId xmlns:a16="http://schemas.microsoft.com/office/drawing/2014/main" id="{45557654-28F0-02A2-6F8F-AE867BF360AC}"/>
+              </a:ext>
+            </a:extLst>
+          </p:cNvPr>
+          <p:cNvSpPr>
+            <a:spLocks noGrp="1"/>
+          </p:cNvSpPr>
+          <p:nvPr>
+            <p:ph idx="1"/>
+          </p:nvPr>
+        </p:nvSpPr>
+        <p:spPr/>
+        <p:txBody>
+          <a:bodyPr/>
+          <a:lstStyle/>
+          <a:p>
+            <a:pPr marL="0" indent="0">
+              <a:buNone/>
+            </a:pPr>
+            <a:r>
+              <a:rPr lang="fr-FR" dirty="0" err="1">
+                <a:hlinkClick r:id="rId2"/>
+              </a:rPr>
+              <a:t>Generative</a:t>
+            </a:r>
+            <a:r>
+              <a:rPr lang="fr-FR" dirty="0">
+                <a:hlinkClick r:id="rId2"/>
+              </a:rPr>
+              <a:t> AI for Software </a:t>
+            </a:r>
+            <a:r>
+              <a:rPr lang="fr-FR" dirty="0" err="1">
+                <a:hlinkClick r:id="rId2"/>
+              </a:rPr>
+              <a:t>Development</a:t>
+            </a:r>
+            <a:r>
+              <a:rPr lang="fr-FR" dirty="0"/>
+              <a:t>, </a:t>
+            </a:r>
+            <a:r>
+              <a:rPr lang="fr-FR" dirty="0" err="1"/>
+              <a:t>DeepLearning.AI</a:t>
+            </a:r>
+            <a:endParaRPr lang="fr-FR" dirty="0"/>
+          </a:p>
+        </p:txBody>
+      </p:sp>
+    </p:spTree>
+    <p:extLst>
+      <p:ext uri="{BB962C8B-B14F-4D97-AF65-F5344CB8AC3E}">
+        <p14:creationId xmlns:p14="http://schemas.microsoft.com/office/powerpoint/2010/main" val="4234557242"/>
+      </p:ext>
+    </p:extLst>
+  </p:cSld>
+  <p:clrMapOvr>
+    <a:masterClrMapping/>
+  </p:clrMapOvr>
+</p:sld>
+</file>
+
 <file path=ppt/slides/slide2.xml><?xml version="1.0" encoding="utf-8"?>
 <p:sld xmlns:a="http://schemas.openxmlformats.org/drawingml/2006/main" xmlns:r="http://schemas.openxmlformats.org/officeDocument/2006/relationships" xmlns:p="http://schemas.openxmlformats.org/presentationml/2006/main">
   <p:cSld>
@@ -3472,7 +3875,7 @@
         <p:spPr/>
         <p:txBody>
           <a:bodyPr>
-            <a:normAutofit fontScale="85000" lnSpcReduction="20000"/>
+            <a:normAutofit fontScale="70000" lnSpcReduction="20000"/>
           </a:bodyPr>
           <a:lstStyle/>
           <a:p>
@@ -3521,6 +3924,18 @@
             <a:r>
               <a:rPr lang="fr-FR" dirty="0"/>
               <a:t>Réfléchir à la pertinence et à la justesse des suggestions de l'IA, plutôt que de simplement les accepter</a:t>
+            </a:r>
+          </a:p>
+          <a:p>
+            <a:r>
+              <a:rPr lang="fr-FR" dirty="0"/>
+              <a:t>Importance du travail en équipe avec humain et agents LLM</a:t>
+            </a:r>
+          </a:p>
+          <a:p>
+            <a:r>
+              <a:rPr lang="fr-FR" dirty="0"/>
+              <a:t>Tous les à côté du code : documentation, tests, explications du code…</a:t>
             </a:r>
           </a:p>
         </p:txBody>
@@ -3722,11 +4137,7 @@
             </a:pPr>
             <a:r>
               <a:rPr lang="fr-FR" dirty="0"/>
-              <a:t>Meilleurs étudiants : utilisent l’IA pour des tâches petites et </a:t>
-            </a:r>
-            <a:r>
-              <a:rPr lang="fr-FR"/>
-              <a:t>bien définies</a:t>
+              <a:t>Meilleurs étudiants : utilisent l’IA pour des tâches petites et bien définies, importance du juste niveau de délégation à l’outil d’IA générative</a:t>
             </a:r>
           </a:p>
         </p:txBody>
@@ -3870,7 +4281,7 @@
           <p:cNvPr id="2" name="Titre 1">
             <a:extLst>
               <a:ext uri="{FF2B5EF4-FFF2-40B4-BE49-F238E27FC236}">
-                <a16:creationId xmlns:a16="http://schemas.microsoft.com/office/drawing/2014/main" id="{12460BB9-8B40-1C49-AFDD-D59C677B0275}"/>
+                <a16:creationId xmlns:a16="http://schemas.microsoft.com/office/drawing/2014/main" id="{9BB9724F-B68A-31BB-025D-A383D7ED99D0}"/>
               </a:ext>
             </a:extLst>
           </p:cNvPr>
@@ -3888,8 +4299,13 @@
           <a:p>
             <a:r>
               <a:rPr lang="fr-FR" dirty="0"/>
-              <a:t>Ressources</a:t>
-            </a:r>
+              <a:t>Apprendre à coder et à </a:t>
+            </a:r>
+            <a:r>
+              <a:rPr lang="fr-FR" dirty="0" err="1"/>
+              <a:t>prompter</a:t>
+            </a:r>
+            <a:endParaRPr lang="fr-FR" dirty="0"/>
           </a:p>
         </p:txBody>
       </p:sp>
@@ -3898,7 +4314,7 @@
           <p:cNvPr id="3" name="Espace réservé du contenu 2">
             <a:extLst>
               <a:ext uri="{FF2B5EF4-FFF2-40B4-BE49-F238E27FC236}">
-                <a16:creationId xmlns:a16="http://schemas.microsoft.com/office/drawing/2014/main" id="{4FD6ABBA-E376-83F9-08AE-FADD82679A82}"/>
+                <a16:creationId xmlns:a16="http://schemas.microsoft.com/office/drawing/2014/main" id="{CF7CB94C-FEB1-66BE-6BD2-4A3EA0C41D17}"/>
               </a:ext>
             </a:extLst>
           </p:cNvPr>
@@ -3918,66 +4334,546 @@
               <a:buNone/>
             </a:pPr>
             <a:r>
-              <a:rPr lang="en-US" dirty="0">
+              <a:rPr lang="fr-FR" dirty="0">
                 <a:hlinkClick r:id="rId2"/>
               </a:rPr>
-              <a:t>The Effects of GitHub Copilot on Computing Students’ Programming Effectiveness, Efficiency, and Processes in Brownfield Programming Tasks</a:t>
-            </a:r>
-            <a:endParaRPr lang="en-US" dirty="0"/>
-          </a:p>
-          <a:p>
-            <a:pPr marL="0" indent="0">
-              <a:buNone/>
-            </a:pPr>
-            <a:r>
-              <a:rPr lang="en-US" dirty="0">
-                <a:hlinkClick r:id="rId3"/>
+              <a:t>Les écoles d’informatique au cœur de la révolution des IA génératives : « Il faut former des personnes qui peuvent coder et </a:t>
+            </a:r>
+            <a:r>
+              <a:rPr lang="fr-FR" dirty="0" err="1">
+                <a:hlinkClick r:id="rId2"/>
               </a:rPr>
-              <a:t>How Scientists Use Large Language Models to Program</a:t>
-            </a:r>
-            <a:endParaRPr lang="en-US" dirty="0"/>
-          </a:p>
-          <a:p>
-            <a:pPr marL="0" indent="0">
-              <a:buNone/>
-            </a:pPr>
-            <a:r>
-              <a:rPr lang="en-US" dirty="0">
-                <a:hlinkClick r:id="rId4"/>
+              <a:t>prompter</a:t>
+            </a:r>
+            <a:r>
+              <a:rPr lang="fr-FR" dirty="0">
+                <a:hlinkClick r:id="rId2"/>
               </a:rPr>
-              <a:t>Programming Is Hard– Or at Least It Used to Be: Educational</a:t>
-            </a:r>
-          </a:p>
-          <a:p>
-            <a:pPr marL="0" indent="0">
-              <a:buNone/>
-            </a:pPr>
-            <a:r>
-              <a:rPr lang="en-US" dirty="0">
-                <a:hlinkClick r:id="rId4"/>
-              </a:rPr>
-              <a:t> Opportunities and Challenges of AI Code Generation</a:t>
-            </a:r>
-            <a:endParaRPr lang="en-US" dirty="0"/>
-          </a:p>
-          <a:p>
-            <a:pPr marL="0" indent="0">
-              <a:buNone/>
-            </a:pPr>
-            <a:r>
-              <a:rPr lang="en-US" dirty="0">
-                <a:hlinkClick r:id="rId5"/>
-              </a:rPr>
-              <a:t>Teaching CS50 with AI - David J. Malan</a:t>
-            </a:r>
-            <a:endParaRPr lang="fr-FR" dirty="0"/>
+              <a:t> » </a:t>
+            </a:r>
+            <a:r>
+              <a:rPr lang="fr-FR" dirty="0"/>
+              <a:t>, Le Monde, 15/05/24</a:t>
+            </a:r>
           </a:p>
         </p:txBody>
       </p:sp>
     </p:spTree>
     <p:extLst>
       <p:ext uri="{BB962C8B-B14F-4D97-AF65-F5344CB8AC3E}">
-        <p14:creationId xmlns:p14="http://schemas.microsoft.com/office/powerpoint/2010/main" val="3336245993"/>
+        <p14:creationId xmlns:p14="http://schemas.microsoft.com/office/powerpoint/2010/main" val="1848149221"/>
+      </p:ext>
+    </p:extLst>
+  </p:cSld>
+  <p:clrMapOvr>
+    <a:masterClrMapping/>
+  </p:clrMapOvr>
+</p:sld>
+</file>
+
+<file path=ppt/slides/slide7.xml><?xml version="1.0" encoding="utf-8"?>
+<p:sld xmlns:a="http://schemas.openxmlformats.org/drawingml/2006/main" xmlns:r="http://schemas.openxmlformats.org/officeDocument/2006/relationships" xmlns:p="http://schemas.openxmlformats.org/presentationml/2006/main">
+  <p:cSld>
+    <p:spTree>
+      <p:nvGrpSpPr>
+        <p:cNvPr id="1" name=""/>
+        <p:cNvGrpSpPr/>
+        <p:nvPr/>
+      </p:nvGrpSpPr>
+      <p:grpSpPr>
+        <a:xfrm>
+          <a:off x="0" y="0"/>
+          <a:ext cx="0" cy="0"/>
+          <a:chOff x="0" y="0"/>
+          <a:chExt cx="0" cy="0"/>
+        </a:xfrm>
+      </p:grpSpPr>
+      <p:sp>
+        <p:nvSpPr>
+          <p:cNvPr id="2" name="Titre 1">
+            <a:extLst>
+              <a:ext uri="{FF2B5EF4-FFF2-40B4-BE49-F238E27FC236}">
+                <a16:creationId xmlns:a16="http://schemas.microsoft.com/office/drawing/2014/main" id="{5E99508C-9892-546D-E47F-FF7E9408EEA3}"/>
+              </a:ext>
+            </a:extLst>
+          </p:cNvPr>
+          <p:cNvSpPr>
+            <a:spLocks noGrp="1"/>
+          </p:cNvSpPr>
+          <p:nvPr>
+            <p:ph type="title"/>
+          </p:nvPr>
+        </p:nvSpPr>
+        <p:spPr/>
+        <p:txBody>
+          <a:bodyPr/>
+          <a:lstStyle/>
+          <a:p>
+            <a:r>
+              <a:rPr lang="fr-FR" dirty="0"/>
+              <a:t>Perspective historique</a:t>
+            </a:r>
+          </a:p>
+        </p:txBody>
+      </p:sp>
+      <p:sp>
+        <p:nvSpPr>
+          <p:cNvPr id="3" name="Espace réservé du contenu 2">
+            <a:extLst>
+              <a:ext uri="{FF2B5EF4-FFF2-40B4-BE49-F238E27FC236}">
+                <a16:creationId xmlns:a16="http://schemas.microsoft.com/office/drawing/2014/main" id="{B08EDB0D-5FCD-EF50-D5D1-9041C2C3F2DF}"/>
+              </a:ext>
+            </a:extLst>
+          </p:cNvPr>
+          <p:cNvSpPr>
+            <a:spLocks noGrp="1"/>
+          </p:cNvSpPr>
+          <p:nvPr>
+            <p:ph idx="1"/>
+          </p:nvPr>
+        </p:nvSpPr>
+        <p:spPr/>
+        <p:txBody>
+          <a:bodyPr/>
+          <a:lstStyle/>
+          <a:p>
+            <a:r>
+              <a:rPr lang="fr-FR" dirty="0"/>
+              <a:t>D’abord assembleur, puis langage bas niveau (type C), puis langage plus haut niveau (type Python) puis maintenant prompt ?</a:t>
+            </a:r>
+          </a:p>
+          <a:p>
+            <a:r>
+              <a:rPr lang="fr-FR" dirty="0"/>
+              <a:t>Comme la radio n’a pas fait disparaitre la presse écrite, comme la télévision n’a pas fait disparaitre la radio, comme internet n’a pas fait disparaitre la télévision…</a:t>
+            </a:r>
+          </a:p>
+          <a:p>
+            <a:endParaRPr lang="fr-FR" dirty="0"/>
+          </a:p>
+          <a:p>
+            <a:pPr marL="0" indent="0">
+              <a:buNone/>
+            </a:pPr>
+            <a:r>
+              <a:rPr lang="fr-FR" dirty="0"/>
+              <a:t>Montée en abstraction, pas de remplacement mais ajout et nouveaux utilisateurs</a:t>
+            </a:r>
+          </a:p>
+        </p:txBody>
+      </p:sp>
+    </p:spTree>
+    <p:extLst>
+      <p:ext uri="{BB962C8B-B14F-4D97-AF65-F5344CB8AC3E}">
+        <p14:creationId xmlns:p14="http://schemas.microsoft.com/office/powerpoint/2010/main" val="3705171013"/>
+      </p:ext>
+    </p:extLst>
+  </p:cSld>
+  <p:clrMapOvr>
+    <a:masterClrMapping/>
+  </p:clrMapOvr>
+</p:sld>
+</file>
+
+<file path=ppt/slides/slide8.xml><?xml version="1.0" encoding="utf-8"?>
+<p:sld xmlns:a="http://schemas.openxmlformats.org/drawingml/2006/main" xmlns:r="http://schemas.openxmlformats.org/officeDocument/2006/relationships" xmlns:p="http://schemas.openxmlformats.org/presentationml/2006/main">
+  <p:cSld>
+    <p:spTree>
+      <p:nvGrpSpPr>
+        <p:cNvPr id="1" name=""/>
+        <p:cNvGrpSpPr/>
+        <p:nvPr/>
+      </p:nvGrpSpPr>
+      <p:grpSpPr>
+        <a:xfrm>
+          <a:off x="0" y="0"/>
+          <a:ext cx="0" cy="0"/>
+          <a:chOff x="0" y="0"/>
+          <a:chExt cx="0" cy="0"/>
+        </a:xfrm>
+      </p:grpSpPr>
+      <p:sp>
+        <p:nvSpPr>
+          <p:cNvPr id="2" name="Titre 1">
+            <a:extLst>
+              <a:ext uri="{FF2B5EF4-FFF2-40B4-BE49-F238E27FC236}">
+                <a16:creationId xmlns:a16="http://schemas.microsoft.com/office/drawing/2014/main" id="{6426E82A-5F7D-2BCD-8021-34D96336E1C0}"/>
+              </a:ext>
+            </a:extLst>
+          </p:cNvPr>
+          <p:cNvSpPr>
+            <a:spLocks noGrp="1"/>
+          </p:cNvSpPr>
+          <p:nvPr>
+            <p:ph type="title"/>
+          </p:nvPr>
+        </p:nvSpPr>
+        <p:spPr/>
+        <p:txBody>
+          <a:bodyPr/>
+          <a:lstStyle/>
+          <a:p>
+            <a:r>
+              <a:rPr lang="fr-FR" dirty="0"/>
+              <a:t>Perspective historique</a:t>
+            </a:r>
+          </a:p>
+        </p:txBody>
+      </p:sp>
+      <p:cxnSp>
+        <p:nvCxnSpPr>
+          <p:cNvPr id="5" name="Connecteur droit avec flèche 4">
+            <a:extLst>
+              <a:ext uri="{FF2B5EF4-FFF2-40B4-BE49-F238E27FC236}">
+                <a16:creationId xmlns:a16="http://schemas.microsoft.com/office/drawing/2014/main" id="{AF72E37C-F625-37F9-45E2-009D6B612EBC}"/>
+              </a:ext>
+            </a:extLst>
+          </p:cNvPr>
+          <p:cNvCxnSpPr/>
+          <p:nvPr/>
+        </p:nvCxnSpPr>
+        <p:spPr>
+          <a:xfrm>
+            <a:off x="1047750" y="5514976"/>
+            <a:ext cx="10306050" cy="0"/>
+          </a:xfrm>
+          <a:prstGeom prst="straightConnector1">
+            <a:avLst/>
+          </a:prstGeom>
+          <a:ln>
+            <a:tailEnd type="triangle"/>
+          </a:ln>
+        </p:spPr>
+        <p:style>
+          <a:lnRef idx="2">
+            <a:schemeClr val="accent1"/>
+          </a:lnRef>
+          <a:fillRef idx="0">
+            <a:schemeClr val="accent1"/>
+          </a:fillRef>
+          <a:effectRef idx="1">
+            <a:schemeClr val="accent1"/>
+          </a:effectRef>
+          <a:fontRef idx="minor">
+            <a:schemeClr val="tx1"/>
+          </a:fontRef>
+        </p:style>
+      </p:cxnSp>
+      <p:sp>
+        <p:nvSpPr>
+          <p:cNvPr id="6" name="Rectangle 5">
+            <a:extLst>
+              <a:ext uri="{FF2B5EF4-FFF2-40B4-BE49-F238E27FC236}">
+                <a16:creationId xmlns:a16="http://schemas.microsoft.com/office/drawing/2014/main" id="{78EB0D60-767C-43C5-268B-467F902B1C7B}"/>
+              </a:ext>
+            </a:extLst>
+          </p:cNvPr>
+          <p:cNvSpPr/>
+          <p:nvPr/>
+        </p:nvSpPr>
+        <p:spPr>
+          <a:xfrm>
+            <a:off x="1228725" y="1843089"/>
+            <a:ext cx="10125075" cy="276226"/>
+          </a:xfrm>
+          <a:prstGeom prst="rect">
+            <a:avLst/>
+          </a:prstGeom>
+        </p:spPr>
+        <p:style>
+          <a:lnRef idx="2">
+            <a:schemeClr val="accent1">
+              <a:shade val="15000"/>
+            </a:schemeClr>
+          </a:lnRef>
+          <a:fillRef idx="1">
+            <a:schemeClr val="accent1"/>
+          </a:fillRef>
+          <a:effectRef idx="0">
+            <a:schemeClr val="accent1"/>
+          </a:effectRef>
+          <a:fontRef idx="minor">
+            <a:schemeClr val="lt1"/>
+          </a:fontRef>
+        </p:style>
+        <p:txBody>
+          <a:bodyPr rtlCol="0" anchor="ctr"/>
+          <a:lstStyle/>
+          <a:p>
+            <a:pPr algn="ctr"/>
+            <a:r>
+              <a:rPr lang="fr-FR" dirty="0"/>
+              <a:t>Assembleur</a:t>
+            </a:r>
+          </a:p>
+        </p:txBody>
+      </p:sp>
+      <p:sp>
+        <p:nvSpPr>
+          <p:cNvPr id="7" name="Rectangle 6">
+            <a:extLst>
+              <a:ext uri="{FF2B5EF4-FFF2-40B4-BE49-F238E27FC236}">
+                <a16:creationId xmlns:a16="http://schemas.microsoft.com/office/drawing/2014/main" id="{183623F7-D5F2-83E9-30C7-923162BB4BE1}"/>
+              </a:ext>
+            </a:extLst>
+          </p:cNvPr>
+          <p:cNvSpPr/>
+          <p:nvPr/>
+        </p:nvSpPr>
+        <p:spPr>
+          <a:xfrm>
+            <a:off x="3514723" y="2568774"/>
+            <a:ext cx="7839075" cy="414337"/>
+          </a:xfrm>
+          <a:prstGeom prst="rect">
+            <a:avLst/>
+          </a:prstGeom>
+        </p:spPr>
+        <p:style>
+          <a:lnRef idx="2">
+            <a:schemeClr val="accent1">
+              <a:shade val="15000"/>
+            </a:schemeClr>
+          </a:lnRef>
+          <a:fillRef idx="1">
+            <a:schemeClr val="accent1"/>
+          </a:fillRef>
+          <a:effectRef idx="0">
+            <a:schemeClr val="accent1"/>
+          </a:effectRef>
+          <a:fontRef idx="minor">
+            <a:schemeClr val="lt1"/>
+          </a:fontRef>
+        </p:style>
+        <p:txBody>
+          <a:bodyPr rtlCol="0" anchor="ctr"/>
+          <a:lstStyle/>
+          <a:p>
+            <a:pPr algn="ctr"/>
+            <a:r>
+              <a:rPr lang="fr-FR" dirty="0"/>
+              <a:t>Langages bas niveau (type C)</a:t>
+            </a:r>
+          </a:p>
+        </p:txBody>
+      </p:sp>
+      <p:sp>
+        <p:nvSpPr>
+          <p:cNvPr id="8" name="Rectangle 7">
+            <a:extLst>
+              <a:ext uri="{FF2B5EF4-FFF2-40B4-BE49-F238E27FC236}">
+                <a16:creationId xmlns:a16="http://schemas.microsoft.com/office/drawing/2014/main" id="{B76AA7BF-F7D8-72A5-5934-9BBD6F119857}"/>
+              </a:ext>
+            </a:extLst>
+          </p:cNvPr>
+          <p:cNvSpPr/>
+          <p:nvPr/>
+        </p:nvSpPr>
+        <p:spPr>
+          <a:xfrm>
+            <a:off x="5929312" y="3380786"/>
+            <a:ext cx="5424486" cy="650677"/>
+          </a:xfrm>
+          <a:prstGeom prst="rect">
+            <a:avLst/>
+          </a:prstGeom>
+        </p:spPr>
+        <p:style>
+          <a:lnRef idx="2">
+            <a:schemeClr val="accent1">
+              <a:shade val="15000"/>
+            </a:schemeClr>
+          </a:lnRef>
+          <a:fillRef idx="1">
+            <a:schemeClr val="accent1"/>
+          </a:fillRef>
+          <a:effectRef idx="0">
+            <a:schemeClr val="accent1"/>
+          </a:effectRef>
+          <a:fontRef idx="minor">
+            <a:schemeClr val="lt1"/>
+          </a:fontRef>
+        </p:style>
+        <p:txBody>
+          <a:bodyPr rtlCol="0" anchor="ctr"/>
+          <a:lstStyle/>
+          <a:p>
+            <a:pPr algn="ctr"/>
+            <a:r>
+              <a:rPr lang="fr-FR" dirty="0"/>
+              <a:t>Langages haut niveau (type Python)</a:t>
+            </a:r>
+          </a:p>
+        </p:txBody>
+      </p:sp>
+      <p:sp>
+        <p:nvSpPr>
+          <p:cNvPr id="9" name="Rectangle 8">
+            <a:extLst>
+              <a:ext uri="{FF2B5EF4-FFF2-40B4-BE49-F238E27FC236}">
+                <a16:creationId xmlns:a16="http://schemas.microsoft.com/office/drawing/2014/main" id="{501E2E6D-39C2-EAB3-7EA9-5C399EEC155C}"/>
+              </a:ext>
+            </a:extLst>
+          </p:cNvPr>
+          <p:cNvSpPr/>
+          <p:nvPr/>
+        </p:nvSpPr>
+        <p:spPr>
+          <a:xfrm>
+            <a:off x="10172700" y="4330328"/>
+            <a:ext cx="1181098" cy="971533"/>
+          </a:xfrm>
+          <a:prstGeom prst="rect">
+            <a:avLst/>
+          </a:prstGeom>
+        </p:spPr>
+        <p:style>
+          <a:lnRef idx="2">
+            <a:schemeClr val="accent1">
+              <a:shade val="15000"/>
+            </a:schemeClr>
+          </a:lnRef>
+          <a:fillRef idx="1">
+            <a:schemeClr val="accent1"/>
+          </a:fillRef>
+          <a:effectRef idx="0">
+            <a:schemeClr val="accent1"/>
+          </a:effectRef>
+          <a:fontRef idx="minor">
+            <a:schemeClr val="lt1"/>
+          </a:fontRef>
+        </p:style>
+        <p:txBody>
+          <a:bodyPr rtlCol="0" anchor="ctr"/>
+          <a:lstStyle/>
+          <a:p>
+            <a:pPr algn="ctr"/>
+            <a:r>
+              <a:rPr lang="fr-FR" dirty="0"/>
+              <a:t>Langage naturel (prompt)</a:t>
+            </a:r>
+          </a:p>
+        </p:txBody>
+      </p:sp>
+    </p:spTree>
+    <p:extLst>
+      <p:ext uri="{BB962C8B-B14F-4D97-AF65-F5344CB8AC3E}">
+        <p14:creationId xmlns:p14="http://schemas.microsoft.com/office/powerpoint/2010/main" val="4289681149"/>
+      </p:ext>
+    </p:extLst>
+  </p:cSld>
+  <p:clrMapOvr>
+    <a:masterClrMapping/>
+  </p:clrMapOvr>
+</p:sld>
+</file>
+
+<file path=ppt/slides/slide9.xml><?xml version="1.0" encoding="utf-8"?>
+<p:sld xmlns:a="http://schemas.openxmlformats.org/drawingml/2006/main" xmlns:r="http://schemas.openxmlformats.org/officeDocument/2006/relationships" xmlns:p="http://schemas.openxmlformats.org/presentationml/2006/main">
+  <p:cSld>
+    <p:spTree>
+      <p:nvGrpSpPr>
+        <p:cNvPr id="1" name=""/>
+        <p:cNvGrpSpPr/>
+        <p:nvPr/>
+      </p:nvGrpSpPr>
+      <p:grpSpPr>
+        <a:xfrm>
+          <a:off x="0" y="0"/>
+          <a:ext cx="0" cy="0"/>
+          <a:chOff x="0" y="0"/>
+          <a:chExt cx="0" cy="0"/>
+        </a:xfrm>
+      </p:grpSpPr>
+      <p:sp>
+        <p:nvSpPr>
+          <p:cNvPr id="2" name="Titre 1">
+            <a:extLst>
+              <a:ext uri="{FF2B5EF4-FFF2-40B4-BE49-F238E27FC236}">
+                <a16:creationId xmlns:a16="http://schemas.microsoft.com/office/drawing/2014/main" id="{8DE7CC90-6E9B-CAEB-689D-CD56BCC83E02}"/>
+              </a:ext>
+            </a:extLst>
+          </p:cNvPr>
+          <p:cNvSpPr>
+            <a:spLocks noGrp="1"/>
+          </p:cNvSpPr>
+          <p:nvPr>
+            <p:ph type="title"/>
+          </p:nvPr>
+        </p:nvSpPr>
+        <p:spPr/>
+        <p:txBody>
+          <a:bodyPr/>
+          <a:lstStyle/>
+          <a:p>
+            <a:r>
+              <a:rPr lang="fr-FR" dirty="0"/>
+              <a:t>Exemples d’outils pédagogiques</a:t>
+            </a:r>
+          </a:p>
+        </p:txBody>
+      </p:sp>
+      <p:sp>
+        <p:nvSpPr>
+          <p:cNvPr id="3" name="Espace réservé du contenu 2">
+            <a:extLst>
+              <a:ext uri="{FF2B5EF4-FFF2-40B4-BE49-F238E27FC236}">
+                <a16:creationId xmlns:a16="http://schemas.microsoft.com/office/drawing/2014/main" id="{FBE4A8A6-026C-3940-C329-D76D2012B578}"/>
+              </a:ext>
+            </a:extLst>
+          </p:cNvPr>
+          <p:cNvSpPr>
+            <a:spLocks noGrp="1"/>
+          </p:cNvSpPr>
+          <p:nvPr>
+            <p:ph idx="1"/>
+          </p:nvPr>
+        </p:nvSpPr>
+        <p:spPr/>
+        <p:txBody>
+          <a:bodyPr/>
+          <a:lstStyle/>
+          <a:p>
+            <a:r>
+              <a:rPr lang="fr-FR" dirty="0"/>
+              <a:t>Exercices de reformulation : à partir d’un prompt naïf faire améliorer le prompt pour un meilleur résultat</a:t>
+            </a:r>
+          </a:p>
+          <a:p>
+            <a:r>
+              <a:rPr lang="fr-FR" dirty="0"/>
+              <a:t>Comparer les historiques de prompts pour résoudre des exercices de code</a:t>
+            </a:r>
+          </a:p>
+          <a:p>
+            <a:r>
+              <a:rPr lang="fr-FR" dirty="0"/>
+              <a:t>Critique du code généré par IA : quels sont les erreurs ou les imprécisions du code généré par l’IA ? </a:t>
+            </a:r>
+          </a:p>
+          <a:p>
+            <a:r>
+              <a:rPr lang="fr-FR" dirty="0"/>
+              <a:t>Faire générer des questions de compréhension d’un code source</a:t>
+            </a:r>
+          </a:p>
+          <a:p>
+            <a:r>
+              <a:rPr lang="fr-FR" dirty="0"/>
+              <a:t>Créer des exercices de code variés pour travailler des </a:t>
+            </a:r>
+            <a:r>
+              <a:rPr lang="fr-FR"/>
+              <a:t>points précis</a:t>
+            </a:r>
+            <a:endParaRPr lang="fr-FR" dirty="0"/>
+          </a:p>
+        </p:txBody>
+      </p:sp>
+    </p:spTree>
+    <p:extLst>
+      <p:ext uri="{BB962C8B-B14F-4D97-AF65-F5344CB8AC3E}">
+        <p14:creationId xmlns:p14="http://schemas.microsoft.com/office/powerpoint/2010/main" val="310796057"/>
       </p:ext>
     </p:extLst>
   </p:cSld>

--- a/Prez Pyconfr.pptx
+++ b/Prez Pyconfr.pptx
@@ -8,15 +8,16 @@
     <p:sldId id="256" r:id="rId2"/>
     <p:sldId id="260" r:id="rId3"/>
     <p:sldId id="259" r:id="rId4"/>
-    <p:sldId id="261" r:id="rId5"/>
-    <p:sldId id="258" r:id="rId6"/>
-    <p:sldId id="263" r:id="rId7"/>
-    <p:sldId id="262" r:id="rId8"/>
-    <p:sldId id="265" r:id="rId9"/>
-    <p:sldId id="266" r:id="rId10"/>
-    <p:sldId id="267" r:id="rId11"/>
-    <p:sldId id="257" r:id="rId12"/>
-    <p:sldId id="264" r:id="rId13"/>
+    <p:sldId id="268" r:id="rId5"/>
+    <p:sldId id="261" r:id="rId6"/>
+    <p:sldId id="258" r:id="rId7"/>
+    <p:sldId id="263" r:id="rId8"/>
+    <p:sldId id="262" r:id="rId9"/>
+    <p:sldId id="265" r:id="rId10"/>
+    <p:sldId id="266" r:id="rId11"/>
+    <p:sldId id="267" r:id="rId12"/>
+    <p:sldId id="257" r:id="rId13"/>
+    <p:sldId id="264" r:id="rId14"/>
   </p:sldIdLst>
   <p:sldSz cx="12192000" cy="6858000"/>
   <p:notesSz cx="6858000" cy="9144000"/>
@@ -270,7 +271,7 @@
           <a:p>
             <a:fld id="{9DDEEEAB-3696-4A1E-8142-33E8C20CD148}" type="datetimeFigureOut">
               <a:rPr lang="fr-FR" smtClean="0"/>
-              <a:t>26/08/2025</a:t>
+              <a:t>02/09/2025</a:t>
             </a:fld>
             <a:endParaRPr lang="fr-FR"/>
           </a:p>
@@ -468,7 +469,7 @@
           <a:p>
             <a:fld id="{9DDEEEAB-3696-4A1E-8142-33E8C20CD148}" type="datetimeFigureOut">
               <a:rPr lang="fr-FR" smtClean="0"/>
-              <a:t>26/08/2025</a:t>
+              <a:t>02/09/2025</a:t>
             </a:fld>
             <a:endParaRPr lang="fr-FR"/>
           </a:p>
@@ -676,7 +677,7 @@
           <a:p>
             <a:fld id="{9DDEEEAB-3696-4A1E-8142-33E8C20CD148}" type="datetimeFigureOut">
               <a:rPr lang="fr-FR" smtClean="0"/>
-              <a:t>26/08/2025</a:t>
+              <a:t>02/09/2025</a:t>
             </a:fld>
             <a:endParaRPr lang="fr-FR"/>
           </a:p>
@@ -874,7 +875,7 @@
           <a:p>
             <a:fld id="{9DDEEEAB-3696-4A1E-8142-33E8C20CD148}" type="datetimeFigureOut">
               <a:rPr lang="fr-FR" smtClean="0"/>
-              <a:t>26/08/2025</a:t>
+              <a:t>02/09/2025</a:t>
             </a:fld>
             <a:endParaRPr lang="fr-FR"/>
           </a:p>
@@ -1149,7 +1150,7 @@
           <a:p>
             <a:fld id="{9DDEEEAB-3696-4A1E-8142-33E8C20CD148}" type="datetimeFigureOut">
               <a:rPr lang="fr-FR" smtClean="0"/>
-              <a:t>26/08/2025</a:t>
+              <a:t>02/09/2025</a:t>
             </a:fld>
             <a:endParaRPr lang="fr-FR"/>
           </a:p>
@@ -1414,7 +1415,7 @@
           <a:p>
             <a:fld id="{9DDEEEAB-3696-4A1E-8142-33E8C20CD148}" type="datetimeFigureOut">
               <a:rPr lang="fr-FR" smtClean="0"/>
-              <a:t>26/08/2025</a:t>
+              <a:t>02/09/2025</a:t>
             </a:fld>
             <a:endParaRPr lang="fr-FR"/>
           </a:p>
@@ -1826,7 +1827,7 @@
           <a:p>
             <a:fld id="{9DDEEEAB-3696-4A1E-8142-33E8C20CD148}" type="datetimeFigureOut">
               <a:rPr lang="fr-FR" smtClean="0"/>
-              <a:t>26/08/2025</a:t>
+              <a:t>02/09/2025</a:t>
             </a:fld>
             <a:endParaRPr lang="fr-FR"/>
           </a:p>
@@ -1967,7 +1968,7 @@
           <a:p>
             <a:fld id="{9DDEEEAB-3696-4A1E-8142-33E8C20CD148}" type="datetimeFigureOut">
               <a:rPr lang="fr-FR" smtClean="0"/>
-              <a:t>26/08/2025</a:t>
+              <a:t>02/09/2025</a:t>
             </a:fld>
             <a:endParaRPr lang="fr-FR"/>
           </a:p>
@@ -2080,7 +2081,7 @@
           <a:p>
             <a:fld id="{9DDEEEAB-3696-4A1E-8142-33E8C20CD148}" type="datetimeFigureOut">
               <a:rPr lang="fr-FR" smtClean="0"/>
-              <a:t>26/08/2025</a:t>
+              <a:t>02/09/2025</a:t>
             </a:fld>
             <a:endParaRPr lang="fr-FR"/>
           </a:p>
@@ -2391,7 +2392,7 @@
           <a:p>
             <a:fld id="{9DDEEEAB-3696-4A1E-8142-33E8C20CD148}" type="datetimeFigureOut">
               <a:rPr lang="fr-FR" smtClean="0"/>
-              <a:t>26/08/2025</a:t>
+              <a:t>02/09/2025</a:t>
             </a:fld>
             <a:endParaRPr lang="fr-FR"/>
           </a:p>
@@ -2679,7 +2680,7 @@
           <a:p>
             <a:fld id="{9DDEEEAB-3696-4A1E-8142-33E8C20CD148}" type="datetimeFigureOut">
               <a:rPr lang="fr-FR" smtClean="0"/>
-              <a:t>26/08/2025</a:t>
+              <a:t>02/09/2025</a:t>
             </a:fld>
             <a:endParaRPr lang="fr-FR"/>
           </a:p>
@@ -2920,7 +2921,7 @@
           <a:p>
             <a:fld id="{9DDEEEAB-3696-4A1E-8142-33E8C20CD148}" type="datetimeFigureOut">
               <a:rPr lang="fr-FR" smtClean="0"/>
-              <a:t>26/08/2025</a:t>
+              <a:t>02/09/2025</a:t>
             </a:fld>
             <a:endParaRPr lang="fr-FR"/>
           </a:p>
@@ -3436,7 +3437,7 @@
           <p:cNvPr id="2" name="Titre 1">
             <a:extLst>
               <a:ext uri="{FF2B5EF4-FFF2-40B4-BE49-F238E27FC236}">
-                <a16:creationId xmlns:a16="http://schemas.microsoft.com/office/drawing/2014/main" id="{B85E14DF-1F96-BB1D-8F38-E8BA6E672803}"/>
+                <a16:creationId xmlns:a16="http://schemas.microsoft.com/office/drawing/2014/main" id="{8DE7CC90-6E9B-CAEB-689D-CD56BCC83E02}"/>
               </a:ext>
             </a:extLst>
           </p:cNvPr>
@@ -3454,7 +3455,7 @@
           <a:p>
             <a:r>
               <a:rPr lang="fr-FR" dirty="0"/>
-              <a:t>Nouveau type de dette technique</a:t>
+              <a:t>Exemples d’outils pédagogiques</a:t>
             </a:r>
           </a:p>
         </p:txBody>
@@ -3464,7 +3465,7 @@
           <p:cNvPr id="3" name="Espace réservé du contenu 2">
             <a:extLst>
               <a:ext uri="{FF2B5EF4-FFF2-40B4-BE49-F238E27FC236}">
-                <a16:creationId xmlns:a16="http://schemas.microsoft.com/office/drawing/2014/main" id="{E77A88B8-CCA3-7548-1F2A-BCA863E86E8C}"/>
+                <a16:creationId xmlns:a16="http://schemas.microsoft.com/office/drawing/2014/main" id="{FBE4A8A6-026C-3940-C329-D76D2012B578}"/>
               </a:ext>
             </a:extLst>
           </p:cNvPr>
@@ -3482,15 +3483,44 @@
           <a:p>
             <a:r>
               <a:rPr lang="fr-FR" dirty="0"/>
-              <a:t>Pour des script métier de quelques 100 ou 1000 de lignes de code, on peut concentrer sur le résultat</a:t>
-            </a:r>
+              <a:t>Exercices de reformulation : à partir d’un prompt naïf faire améliorer le prompt pour un meilleur résultat</a:t>
+            </a:r>
+          </a:p>
+          <a:p>
+            <a:r>
+              <a:rPr lang="fr-FR" dirty="0"/>
+              <a:t>Comparer les historiques de prompts pour résoudre des exercices de code</a:t>
+            </a:r>
+          </a:p>
+          <a:p>
+            <a:r>
+              <a:rPr lang="fr-FR" dirty="0"/>
+              <a:t>Critique du code généré par IA : quels sont les erreurs ou les imprécisions du code généré par l’IA ? </a:t>
+            </a:r>
+          </a:p>
+          <a:p>
+            <a:r>
+              <a:rPr lang="fr-FR" dirty="0"/>
+              <a:t>Faire générer des questions de compréhension d’un code source</a:t>
+            </a:r>
+          </a:p>
+          <a:p>
+            <a:r>
+              <a:rPr lang="fr-FR" dirty="0"/>
+              <a:t>Créer des exercices de code variés pour travailler des </a:t>
+            </a:r>
+            <a:r>
+              <a:rPr lang="fr-FR"/>
+              <a:t>points précis</a:t>
+            </a:r>
+            <a:endParaRPr lang="fr-FR" dirty="0"/>
           </a:p>
         </p:txBody>
       </p:sp>
     </p:spTree>
     <p:extLst>
       <p:ext uri="{BB962C8B-B14F-4D97-AF65-F5344CB8AC3E}">
-        <p14:creationId xmlns:p14="http://schemas.microsoft.com/office/powerpoint/2010/main" val="2867169506"/>
+        <p14:creationId xmlns:p14="http://schemas.microsoft.com/office/powerpoint/2010/main" val="310796057"/>
       </p:ext>
     </p:extLst>
   </p:cSld>
@@ -3522,6 +3552,92 @@
           <p:cNvPr id="2" name="Titre 1">
             <a:extLst>
               <a:ext uri="{FF2B5EF4-FFF2-40B4-BE49-F238E27FC236}">
+                <a16:creationId xmlns:a16="http://schemas.microsoft.com/office/drawing/2014/main" id="{B85E14DF-1F96-BB1D-8F38-E8BA6E672803}"/>
+              </a:ext>
+            </a:extLst>
+          </p:cNvPr>
+          <p:cNvSpPr>
+            <a:spLocks noGrp="1"/>
+          </p:cNvSpPr>
+          <p:nvPr>
+            <p:ph type="title"/>
+          </p:nvPr>
+        </p:nvSpPr>
+        <p:spPr/>
+        <p:txBody>
+          <a:bodyPr/>
+          <a:lstStyle/>
+          <a:p>
+            <a:r>
+              <a:rPr lang="fr-FR" dirty="0"/>
+              <a:t>Nouveau type de dette technique</a:t>
+            </a:r>
+          </a:p>
+        </p:txBody>
+      </p:sp>
+      <p:sp>
+        <p:nvSpPr>
+          <p:cNvPr id="3" name="Espace réservé du contenu 2">
+            <a:extLst>
+              <a:ext uri="{FF2B5EF4-FFF2-40B4-BE49-F238E27FC236}">
+                <a16:creationId xmlns:a16="http://schemas.microsoft.com/office/drawing/2014/main" id="{E77A88B8-CCA3-7548-1F2A-BCA863E86E8C}"/>
+              </a:ext>
+            </a:extLst>
+          </p:cNvPr>
+          <p:cNvSpPr>
+            <a:spLocks noGrp="1"/>
+          </p:cNvSpPr>
+          <p:nvPr>
+            <p:ph idx="1"/>
+          </p:nvPr>
+        </p:nvSpPr>
+        <p:spPr/>
+        <p:txBody>
+          <a:bodyPr/>
+          <a:lstStyle/>
+          <a:p>
+            <a:r>
+              <a:rPr lang="fr-FR" dirty="0"/>
+              <a:t>Pour des script métier de quelques 100 ou 1000 de lignes de code, on peut concentrer sur le résultat</a:t>
+            </a:r>
+          </a:p>
+        </p:txBody>
+      </p:sp>
+    </p:spTree>
+    <p:extLst>
+      <p:ext uri="{BB962C8B-B14F-4D97-AF65-F5344CB8AC3E}">
+        <p14:creationId xmlns:p14="http://schemas.microsoft.com/office/powerpoint/2010/main" val="2867169506"/>
+      </p:ext>
+    </p:extLst>
+  </p:cSld>
+  <p:clrMapOvr>
+    <a:masterClrMapping/>
+  </p:clrMapOvr>
+</p:sld>
+</file>
+
+<file path=ppt/slides/slide12.xml><?xml version="1.0" encoding="utf-8"?>
+<p:sld xmlns:a="http://schemas.openxmlformats.org/drawingml/2006/main" xmlns:r="http://schemas.openxmlformats.org/officeDocument/2006/relationships" xmlns:p="http://schemas.openxmlformats.org/presentationml/2006/main">
+  <p:cSld>
+    <p:spTree>
+      <p:nvGrpSpPr>
+        <p:cNvPr id="1" name=""/>
+        <p:cNvGrpSpPr/>
+        <p:nvPr/>
+      </p:nvGrpSpPr>
+      <p:grpSpPr>
+        <a:xfrm>
+          <a:off x="0" y="0"/>
+          <a:ext cx="0" cy="0"/>
+          <a:chOff x="0" y="0"/>
+          <a:chExt cx="0" cy="0"/>
+        </a:xfrm>
+      </p:grpSpPr>
+      <p:sp>
+        <p:nvSpPr>
+          <p:cNvPr id="2" name="Titre 1">
+            <a:extLst>
+              <a:ext uri="{FF2B5EF4-FFF2-40B4-BE49-F238E27FC236}">
                 <a16:creationId xmlns:a16="http://schemas.microsoft.com/office/drawing/2014/main" id="{12460BB9-8B40-1C49-AFDD-D59C677B0275}"/>
               </a:ext>
             </a:extLst>
@@ -3699,7 +3815,7 @@
 </p:sld>
 </file>
 
-<file path=ppt/slides/slide12.xml><?xml version="1.0" encoding="utf-8"?>
+<file path=ppt/slides/slide13.xml><?xml version="1.0" encoding="utf-8"?>
 <p:sld xmlns:a="http://schemas.openxmlformats.org/drawingml/2006/main" xmlns:r="http://schemas.openxmlformats.org/officeDocument/2006/relationships" xmlns:p="http://schemas.openxmlformats.org/presentationml/2006/main">
   <p:cSld>
     <p:spTree>
@@ -4088,7 +4204,7 @@
           <p:cNvPr id="2" name="Titre 1">
             <a:extLst>
               <a:ext uri="{FF2B5EF4-FFF2-40B4-BE49-F238E27FC236}">
-                <a16:creationId xmlns:a16="http://schemas.microsoft.com/office/drawing/2014/main" id="{40D2B419-4E01-D8E8-F79F-8879328E5098}"/>
+                <a16:creationId xmlns:a16="http://schemas.microsoft.com/office/drawing/2014/main" id="{38FA325A-943C-FB18-348A-A5274E5877AA}"/>
               </a:ext>
             </a:extLst>
           </p:cNvPr>
@@ -4106,7 +4222,7 @@
           <a:p>
             <a:r>
               <a:rPr lang="fr-FR" dirty="0"/>
-              <a:t>Retours d’expérience</a:t>
+              <a:t>Différents outils</a:t>
             </a:r>
           </a:p>
         </p:txBody>
@@ -4116,7 +4232,7 @@
           <p:cNvPr id="3" name="Espace réservé du contenu 2">
             <a:extLst>
               <a:ext uri="{FF2B5EF4-FFF2-40B4-BE49-F238E27FC236}">
-                <a16:creationId xmlns:a16="http://schemas.microsoft.com/office/drawing/2014/main" id="{672391AD-E916-36DA-CD93-59521E7501F0}"/>
+                <a16:creationId xmlns:a16="http://schemas.microsoft.com/office/drawing/2014/main" id="{131927D6-7A7F-83FB-0BFA-E5550973DB85}"/>
               </a:ext>
             </a:extLst>
           </p:cNvPr>
@@ -4132,12 +4248,15 @@
           <a:bodyPr/>
           <a:lstStyle/>
           <a:p>
-            <a:pPr marL="0" indent="0">
-              <a:buNone/>
-            </a:pPr>
             <a:r>
               <a:rPr lang="fr-FR" dirty="0"/>
-              <a:t>Meilleurs étudiants : utilisent l’IA pour des tâches petites et bien définies, importance du juste niveau de délégation à l’outil d’IA générative</a:t>
+              <a:t>Canevas dans les outils d’IA générative généraliste : bien pour des tout petit script où la vérification se fait par le résultat final (limite à un seul fichier)</a:t>
+            </a:r>
+          </a:p>
+          <a:p>
+            <a:r>
+              <a:rPr lang="fr-FR" dirty="0"/>
+              <a:t>Autres outils plus poussés</a:t>
             </a:r>
           </a:p>
         </p:txBody>
@@ -4145,7 +4264,7 @@
     </p:spTree>
     <p:extLst>
       <p:ext uri="{BB962C8B-B14F-4D97-AF65-F5344CB8AC3E}">
-        <p14:creationId xmlns:p14="http://schemas.microsoft.com/office/powerpoint/2010/main" val="39100074"/>
+        <p14:creationId xmlns:p14="http://schemas.microsoft.com/office/powerpoint/2010/main" val="2704356235"/>
       </p:ext>
     </p:extLst>
   </p:cSld>
@@ -4177,7 +4296,7 @@
           <p:cNvPr id="2" name="Titre 1">
             <a:extLst>
               <a:ext uri="{FF2B5EF4-FFF2-40B4-BE49-F238E27FC236}">
-                <a16:creationId xmlns:a16="http://schemas.microsoft.com/office/drawing/2014/main" id="{BBE08483-BD30-D2D2-03B1-E29D1E6D1528}"/>
+                <a16:creationId xmlns:a16="http://schemas.microsoft.com/office/drawing/2014/main" id="{40D2B419-4E01-D8E8-F79F-8879328E5098}"/>
               </a:ext>
             </a:extLst>
           </p:cNvPr>
@@ -4194,10 +4313,9 @@
           <a:lstStyle/>
           <a:p>
             <a:r>
-              <a:rPr lang="fr-FR"/>
-              <a:t>Idées</a:t>
-            </a:r>
-            <a:endParaRPr lang="fr-FR" dirty="0"/>
+              <a:rPr lang="fr-FR" dirty="0"/>
+              <a:t>Retours d’expérience</a:t>
+            </a:r>
           </a:p>
         </p:txBody>
       </p:sp>
@@ -4206,7 +4324,7 @@
           <p:cNvPr id="3" name="Espace réservé du contenu 2">
             <a:extLst>
               <a:ext uri="{FF2B5EF4-FFF2-40B4-BE49-F238E27FC236}">
-                <a16:creationId xmlns:a16="http://schemas.microsoft.com/office/drawing/2014/main" id="{1919170E-21A2-0C2E-4AA4-7559CDF262C8}"/>
+                <a16:creationId xmlns:a16="http://schemas.microsoft.com/office/drawing/2014/main" id="{672391AD-E916-36DA-CD93-59521E7501F0}"/>
               </a:ext>
             </a:extLst>
           </p:cNvPr>
@@ -4222,34 +4340,20 @@
           <a:bodyPr/>
           <a:lstStyle/>
           <a:p>
+            <a:pPr marL="0" indent="0">
+              <a:buNone/>
+            </a:pPr>
             <a:r>
               <a:rPr lang="fr-FR" dirty="0"/>
-              <a:t>Risques : perte d’esprit critique, de responsabilité sur le code produit</a:t>
-            </a:r>
-          </a:p>
-          <a:p>
-            <a:r>
-              <a:rPr lang="fr-FR" dirty="0"/>
-              <a:t>Sensibiliser aux erreurs les plus fréquentes des LLM</a:t>
-            </a:r>
-          </a:p>
-          <a:p>
-            <a:r>
-              <a:rPr lang="fr-FR" dirty="0"/>
-              <a:t>Se créer ses propres outils LLM en local avec </a:t>
-            </a:r>
-            <a:r>
-              <a:rPr lang="fr-FR" dirty="0" err="1"/>
-              <a:t>Ollama</a:t>
-            </a:r>
-            <a:endParaRPr lang="fr-FR" dirty="0"/>
+              <a:t>Meilleurs étudiants : utilisent l’IA pour des tâches petites et bien définies, importance du juste niveau de délégation à l’outil d’IA générative</a:t>
+            </a:r>
           </a:p>
         </p:txBody>
       </p:sp>
     </p:spTree>
     <p:extLst>
       <p:ext uri="{BB962C8B-B14F-4D97-AF65-F5344CB8AC3E}">
-        <p14:creationId xmlns:p14="http://schemas.microsoft.com/office/powerpoint/2010/main" val="680248201"/>
+        <p14:creationId xmlns:p14="http://schemas.microsoft.com/office/powerpoint/2010/main" val="39100074"/>
       </p:ext>
     </p:extLst>
   </p:cSld>
@@ -4281,7 +4385,7 @@
           <p:cNvPr id="2" name="Titre 1">
             <a:extLst>
               <a:ext uri="{FF2B5EF4-FFF2-40B4-BE49-F238E27FC236}">
-                <a16:creationId xmlns:a16="http://schemas.microsoft.com/office/drawing/2014/main" id="{9BB9724F-B68A-31BB-025D-A383D7ED99D0}"/>
+                <a16:creationId xmlns:a16="http://schemas.microsoft.com/office/drawing/2014/main" id="{BBE08483-BD30-D2D2-03B1-E29D1E6D1528}"/>
               </a:ext>
             </a:extLst>
           </p:cNvPr>
@@ -4298,70 +4402,62 @@
           <a:lstStyle/>
           <a:p>
             <a:r>
+              <a:rPr lang="fr-FR"/>
+              <a:t>Idées</a:t>
+            </a:r>
+            <a:endParaRPr lang="fr-FR" dirty="0"/>
+          </a:p>
+        </p:txBody>
+      </p:sp>
+      <p:sp>
+        <p:nvSpPr>
+          <p:cNvPr id="3" name="Espace réservé du contenu 2">
+            <a:extLst>
+              <a:ext uri="{FF2B5EF4-FFF2-40B4-BE49-F238E27FC236}">
+                <a16:creationId xmlns:a16="http://schemas.microsoft.com/office/drawing/2014/main" id="{1919170E-21A2-0C2E-4AA4-7559CDF262C8}"/>
+              </a:ext>
+            </a:extLst>
+          </p:cNvPr>
+          <p:cNvSpPr>
+            <a:spLocks noGrp="1"/>
+          </p:cNvSpPr>
+          <p:nvPr>
+            <p:ph idx="1"/>
+          </p:nvPr>
+        </p:nvSpPr>
+        <p:spPr/>
+        <p:txBody>
+          <a:bodyPr/>
+          <a:lstStyle/>
+          <a:p>
+            <a:r>
               <a:rPr lang="fr-FR" dirty="0"/>
-              <a:t>Apprendre à coder et à </a:t>
+              <a:t>Risques : perte d’esprit critique, de responsabilité sur le code produit</a:t>
+            </a:r>
+          </a:p>
+          <a:p>
+            <a:r>
+              <a:rPr lang="fr-FR" dirty="0"/>
+              <a:t>Sensibiliser aux erreurs les plus fréquentes des LLM</a:t>
+            </a:r>
+          </a:p>
+          <a:p>
+            <a:r>
+              <a:rPr lang="fr-FR" dirty="0"/>
+              <a:t>Se créer ses propres outils LLM en local avec </a:t>
             </a:r>
             <a:r>
               <a:rPr lang="fr-FR" dirty="0" err="1"/>
-              <a:t>prompter</a:t>
+              <a:t>Ollama</a:t>
             </a:r>
             <a:endParaRPr lang="fr-FR" dirty="0"/>
-          </a:p>
-        </p:txBody>
-      </p:sp>
-      <p:sp>
-        <p:nvSpPr>
-          <p:cNvPr id="3" name="Espace réservé du contenu 2">
-            <a:extLst>
-              <a:ext uri="{FF2B5EF4-FFF2-40B4-BE49-F238E27FC236}">
-                <a16:creationId xmlns:a16="http://schemas.microsoft.com/office/drawing/2014/main" id="{CF7CB94C-FEB1-66BE-6BD2-4A3EA0C41D17}"/>
-              </a:ext>
-            </a:extLst>
-          </p:cNvPr>
-          <p:cNvSpPr>
-            <a:spLocks noGrp="1"/>
-          </p:cNvSpPr>
-          <p:nvPr>
-            <p:ph idx="1"/>
-          </p:nvPr>
-        </p:nvSpPr>
-        <p:spPr/>
-        <p:txBody>
-          <a:bodyPr/>
-          <a:lstStyle/>
-          <a:p>
-            <a:pPr marL="0" indent="0">
-              <a:buNone/>
-            </a:pPr>
-            <a:r>
-              <a:rPr lang="fr-FR" dirty="0">
-                <a:hlinkClick r:id="rId2"/>
-              </a:rPr>
-              <a:t>Les écoles d’informatique au cœur de la révolution des IA génératives : « Il faut former des personnes qui peuvent coder et </a:t>
-            </a:r>
-            <a:r>
-              <a:rPr lang="fr-FR" dirty="0" err="1">
-                <a:hlinkClick r:id="rId2"/>
-              </a:rPr>
-              <a:t>prompter</a:t>
-            </a:r>
-            <a:r>
-              <a:rPr lang="fr-FR" dirty="0">
-                <a:hlinkClick r:id="rId2"/>
-              </a:rPr>
-              <a:t> » </a:t>
-            </a:r>
-            <a:r>
-              <a:rPr lang="fr-FR" dirty="0"/>
-              <a:t>, Le Monde, 15/05/24</a:t>
-            </a:r>
           </a:p>
         </p:txBody>
       </p:sp>
     </p:spTree>
     <p:extLst>
       <p:ext uri="{BB962C8B-B14F-4D97-AF65-F5344CB8AC3E}">
-        <p14:creationId xmlns:p14="http://schemas.microsoft.com/office/powerpoint/2010/main" val="1848149221"/>
+        <p14:creationId xmlns:p14="http://schemas.microsoft.com/office/powerpoint/2010/main" val="680248201"/>
       </p:ext>
     </p:extLst>
   </p:cSld>
@@ -4393,6 +4489,118 @@
           <p:cNvPr id="2" name="Titre 1">
             <a:extLst>
               <a:ext uri="{FF2B5EF4-FFF2-40B4-BE49-F238E27FC236}">
+                <a16:creationId xmlns:a16="http://schemas.microsoft.com/office/drawing/2014/main" id="{9BB9724F-B68A-31BB-025D-A383D7ED99D0}"/>
+              </a:ext>
+            </a:extLst>
+          </p:cNvPr>
+          <p:cNvSpPr>
+            <a:spLocks noGrp="1"/>
+          </p:cNvSpPr>
+          <p:nvPr>
+            <p:ph type="title"/>
+          </p:nvPr>
+        </p:nvSpPr>
+        <p:spPr/>
+        <p:txBody>
+          <a:bodyPr/>
+          <a:lstStyle/>
+          <a:p>
+            <a:r>
+              <a:rPr lang="fr-FR" dirty="0"/>
+              <a:t>Apprendre à coder et à </a:t>
+            </a:r>
+            <a:r>
+              <a:rPr lang="fr-FR" dirty="0" err="1"/>
+              <a:t>prompter</a:t>
+            </a:r>
+            <a:endParaRPr lang="fr-FR" dirty="0"/>
+          </a:p>
+        </p:txBody>
+      </p:sp>
+      <p:sp>
+        <p:nvSpPr>
+          <p:cNvPr id="3" name="Espace réservé du contenu 2">
+            <a:extLst>
+              <a:ext uri="{FF2B5EF4-FFF2-40B4-BE49-F238E27FC236}">
+                <a16:creationId xmlns:a16="http://schemas.microsoft.com/office/drawing/2014/main" id="{CF7CB94C-FEB1-66BE-6BD2-4A3EA0C41D17}"/>
+              </a:ext>
+            </a:extLst>
+          </p:cNvPr>
+          <p:cNvSpPr>
+            <a:spLocks noGrp="1"/>
+          </p:cNvSpPr>
+          <p:nvPr>
+            <p:ph idx="1"/>
+          </p:nvPr>
+        </p:nvSpPr>
+        <p:spPr/>
+        <p:txBody>
+          <a:bodyPr/>
+          <a:lstStyle/>
+          <a:p>
+            <a:pPr marL="0" indent="0">
+              <a:buNone/>
+            </a:pPr>
+            <a:r>
+              <a:rPr lang="fr-FR" dirty="0">
+                <a:hlinkClick r:id="rId2"/>
+              </a:rPr>
+              <a:t>Les écoles d’informatique au cœur de la révolution des IA génératives : « Il faut former des personnes qui peuvent coder et </a:t>
+            </a:r>
+            <a:r>
+              <a:rPr lang="fr-FR" dirty="0" err="1">
+                <a:hlinkClick r:id="rId2"/>
+              </a:rPr>
+              <a:t>prompter</a:t>
+            </a:r>
+            <a:r>
+              <a:rPr lang="fr-FR" dirty="0">
+                <a:hlinkClick r:id="rId2"/>
+              </a:rPr>
+              <a:t> » </a:t>
+            </a:r>
+            <a:r>
+              <a:rPr lang="fr-FR" dirty="0"/>
+              <a:t>, Le Monde, 15/05/24</a:t>
+            </a:r>
+          </a:p>
+        </p:txBody>
+      </p:sp>
+    </p:spTree>
+    <p:extLst>
+      <p:ext uri="{BB962C8B-B14F-4D97-AF65-F5344CB8AC3E}">
+        <p14:creationId xmlns:p14="http://schemas.microsoft.com/office/powerpoint/2010/main" val="1848149221"/>
+      </p:ext>
+    </p:extLst>
+  </p:cSld>
+  <p:clrMapOvr>
+    <a:masterClrMapping/>
+  </p:clrMapOvr>
+</p:sld>
+</file>
+
+<file path=ppt/slides/slide8.xml><?xml version="1.0" encoding="utf-8"?>
+<p:sld xmlns:a="http://schemas.openxmlformats.org/drawingml/2006/main" xmlns:r="http://schemas.openxmlformats.org/officeDocument/2006/relationships" xmlns:p="http://schemas.openxmlformats.org/presentationml/2006/main">
+  <p:cSld>
+    <p:spTree>
+      <p:nvGrpSpPr>
+        <p:cNvPr id="1" name=""/>
+        <p:cNvGrpSpPr/>
+        <p:nvPr/>
+      </p:nvGrpSpPr>
+      <p:grpSpPr>
+        <a:xfrm>
+          <a:off x="0" y="0"/>
+          <a:ext cx="0" cy="0"/>
+          <a:chOff x="0" y="0"/>
+          <a:chExt cx="0" cy="0"/>
+        </a:xfrm>
+      </p:grpSpPr>
+      <p:sp>
+        <p:nvSpPr>
+          <p:cNvPr id="2" name="Titre 1">
+            <a:extLst>
+              <a:ext uri="{FF2B5EF4-FFF2-40B4-BE49-F238E27FC236}">
                 <a16:creationId xmlns:a16="http://schemas.microsoft.com/office/drawing/2014/main" id="{5E99508C-9892-546D-E47F-FF7E9408EEA3}"/>
               </a:ext>
             </a:extLst>
@@ -4475,7 +4683,7 @@
 </p:sld>
 </file>
 
-<file path=ppt/slides/slide8.xml><?xml version="1.0" encoding="utf-8"?>
+<file path=ppt/slides/slide9.xml><?xml version="1.0" encoding="utf-8"?>
 <p:sld xmlns:a="http://schemas.openxmlformats.org/drawingml/2006/main" xmlns:r="http://schemas.openxmlformats.org/officeDocument/2006/relationships" xmlns:p="http://schemas.openxmlformats.org/presentationml/2006/main">
   <p:cSld>
     <p:spTree>
@@ -4759,121 +4967,6 @@
     <p:extLst>
       <p:ext uri="{BB962C8B-B14F-4D97-AF65-F5344CB8AC3E}">
         <p14:creationId xmlns:p14="http://schemas.microsoft.com/office/powerpoint/2010/main" val="4289681149"/>
-      </p:ext>
-    </p:extLst>
-  </p:cSld>
-  <p:clrMapOvr>
-    <a:masterClrMapping/>
-  </p:clrMapOvr>
-</p:sld>
-</file>
-
-<file path=ppt/slides/slide9.xml><?xml version="1.0" encoding="utf-8"?>
-<p:sld xmlns:a="http://schemas.openxmlformats.org/drawingml/2006/main" xmlns:r="http://schemas.openxmlformats.org/officeDocument/2006/relationships" xmlns:p="http://schemas.openxmlformats.org/presentationml/2006/main">
-  <p:cSld>
-    <p:spTree>
-      <p:nvGrpSpPr>
-        <p:cNvPr id="1" name=""/>
-        <p:cNvGrpSpPr/>
-        <p:nvPr/>
-      </p:nvGrpSpPr>
-      <p:grpSpPr>
-        <a:xfrm>
-          <a:off x="0" y="0"/>
-          <a:ext cx="0" cy="0"/>
-          <a:chOff x="0" y="0"/>
-          <a:chExt cx="0" cy="0"/>
-        </a:xfrm>
-      </p:grpSpPr>
-      <p:sp>
-        <p:nvSpPr>
-          <p:cNvPr id="2" name="Titre 1">
-            <a:extLst>
-              <a:ext uri="{FF2B5EF4-FFF2-40B4-BE49-F238E27FC236}">
-                <a16:creationId xmlns:a16="http://schemas.microsoft.com/office/drawing/2014/main" id="{8DE7CC90-6E9B-CAEB-689D-CD56BCC83E02}"/>
-              </a:ext>
-            </a:extLst>
-          </p:cNvPr>
-          <p:cNvSpPr>
-            <a:spLocks noGrp="1"/>
-          </p:cNvSpPr>
-          <p:nvPr>
-            <p:ph type="title"/>
-          </p:nvPr>
-        </p:nvSpPr>
-        <p:spPr/>
-        <p:txBody>
-          <a:bodyPr/>
-          <a:lstStyle/>
-          <a:p>
-            <a:r>
-              <a:rPr lang="fr-FR" dirty="0"/>
-              <a:t>Exemples d’outils pédagogiques</a:t>
-            </a:r>
-          </a:p>
-        </p:txBody>
-      </p:sp>
-      <p:sp>
-        <p:nvSpPr>
-          <p:cNvPr id="3" name="Espace réservé du contenu 2">
-            <a:extLst>
-              <a:ext uri="{FF2B5EF4-FFF2-40B4-BE49-F238E27FC236}">
-                <a16:creationId xmlns:a16="http://schemas.microsoft.com/office/drawing/2014/main" id="{FBE4A8A6-026C-3940-C329-D76D2012B578}"/>
-              </a:ext>
-            </a:extLst>
-          </p:cNvPr>
-          <p:cNvSpPr>
-            <a:spLocks noGrp="1"/>
-          </p:cNvSpPr>
-          <p:nvPr>
-            <p:ph idx="1"/>
-          </p:nvPr>
-        </p:nvSpPr>
-        <p:spPr/>
-        <p:txBody>
-          <a:bodyPr/>
-          <a:lstStyle/>
-          <a:p>
-            <a:r>
-              <a:rPr lang="fr-FR" dirty="0"/>
-              <a:t>Exercices de reformulation : à partir d’un prompt naïf faire améliorer le prompt pour un meilleur résultat</a:t>
-            </a:r>
-          </a:p>
-          <a:p>
-            <a:r>
-              <a:rPr lang="fr-FR" dirty="0"/>
-              <a:t>Comparer les historiques de prompts pour résoudre des exercices de code</a:t>
-            </a:r>
-          </a:p>
-          <a:p>
-            <a:r>
-              <a:rPr lang="fr-FR" dirty="0"/>
-              <a:t>Critique du code généré par IA : quels sont les erreurs ou les imprécisions du code généré par l’IA ? </a:t>
-            </a:r>
-          </a:p>
-          <a:p>
-            <a:r>
-              <a:rPr lang="fr-FR" dirty="0"/>
-              <a:t>Faire générer des questions de compréhension d’un code source</a:t>
-            </a:r>
-          </a:p>
-          <a:p>
-            <a:r>
-              <a:rPr lang="fr-FR" dirty="0"/>
-              <a:t>Créer des exercices de code variés pour travailler des </a:t>
-            </a:r>
-            <a:r>
-              <a:rPr lang="fr-FR"/>
-              <a:t>points précis</a:t>
-            </a:r>
-            <a:endParaRPr lang="fr-FR" dirty="0"/>
-          </a:p>
-        </p:txBody>
-      </p:sp>
-    </p:spTree>
-    <p:extLst>
-      <p:ext uri="{BB962C8B-B14F-4D97-AF65-F5344CB8AC3E}">
-        <p14:creationId xmlns:p14="http://schemas.microsoft.com/office/powerpoint/2010/main" val="310796057"/>
       </p:ext>
     </p:extLst>
   </p:cSld>

--- a/Prez Pyconfr.pptx
+++ b/Prez Pyconfr.pptx
@@ -6,18 +6,23 @@
   </p:sldMasterIdLst>
   <p:sldIdLst>
     <p:sldId id="256" r:id="rId2"/>
-    <p:sldId id="260" r:id="rId3"/>
-    <p:sldId id="259" r:id="rId4"/>
-    <p:sldId id="268" r:id="rId5"/>
-    <p:sldId id="261" r:id="rId6"/>
-    <p:sldId id="258" r:id="rId7"/>
-    <p:sldId id="263" r:id="rId8"/>
-    <p:sldId id="262" r:id="rId9"/>
-    <p:sldId id="265" r:id="rId10"/>
-    <p:sldId id="266" r:id="rId11"/>
-    <p:sldId id="267" r:id="rId12"/>
-    <p:sldId id="257" r:id="rId13"/>
-    <p:sldId id="264" r:id="rId14"/>
+    <p:sldId id="269" r:id="rId3"/>
+    <p:sldId id="270" r:id="rId4"/>
+    <p:sldId id="271" r:id="rId5"/>
+    <p:sldId id="272" r:id="rId6"/>
+    <p:sldId id="273" r:id="rId7"/>
+    <p:sldId id="260" r:id="rId8"/>
+    <p:sldId id="259" r:id="rId9"/>
+    <p:sldId id="268" r:id="rId10"/>
+    <p:sldId id="261" r:id="rId11"/>
+    <p:sldId id="258" r:id="rId12"/>
+    <p:sldId id="263" r:id="rId13"/>
+    <p:sldId id="262" r:id="rId14"/>
+    <p:sldId id="265" r:id="rId15"/>
+    <p:sldId id="266" r:id="rId16"/>
+    <p:sldId id="267" r:id="rId17"/>
+    <p:sldId id="257" r:id="rId18"/>
+    <p:sldId id="264" r:id="rId19"/>
   </p:sldIdLst>
   <p:sldSz cx="12192000" cy="6858000"/>
   <p:notesSz cx="6858000" cy="9144000"/>
@@ -271,7 +276,7 @@
           <a:p>
             <a:fld id="{9DDEEEAB-3696-4A1E-8142-33E8C20CD148}" type="datetimeFigureOut">
               <a:rPr lang="fr-FR" smtClean="0"/>
-              <a:t>02/09/2025</a:t>
+              <a:t>21/09/2025</a:t>
             </a:fld>
             <a:endParaRPr lang="fr-FR"/>
           </a:p>
@@ -469,7 +474,7 @@
           <a:p>
             <a:fld id="{9DDEEEAB-3696-4A1E-8142-33E8C20CD148}" type="datetimeFigureOut">
               <a:rPr lang="fr-FR" smtClean="0"/>
-              <a:t>02/09/2025</a:t>
+              <a:t>21/09/2025</a:t>
             </a:fld>
             <a:endParaRPr lang="fr-FR"/>
           </a:p>
@@ -677,7 +682,7 @@
           <a:p>
             <a:fld id="{9DDEEEAB-3696-4A1E-8142-33E8C20CD148}" type="datetimeFigureOut">
               <a:rPr lang="fr-FR" smtClean="0"/>
-              <a:t>02/09/2025</a:t>
+              <a:t>21/09/2025</a:t>
             </a:fld>
             <a:endParaRPr lang="fr-FR"/>
           </a:p>
@@ -875,7 +880,7 @@
           <a:p>
             <a:fld id="{9DDEEEAB-3696-4A1E-8142-33E8C20CD148}" type="datetimeFigureOut">
               <a:rPr lang="fr-FR" smtClean="0"/>
-              <a:t>02/09/2025</a:t>
+              <a:t>21/09/2025</a:t>
             </a:fld>
             <a:endParaRPr lang="fr-FR"/>
           </a:p>
@@ -1150,7 +1155,7 @@
           <a:p>
             <a:fld id="{9DDEEEAB-3696-4A1E-8142-33E8C20CD148}" type="datetimeFigureOut">
               <a:rPr lang="fr-FR" smtClean="0"/>
-              <a:t>02/09/2025</a:t>
+              <a:t>21/09/2025</a:t>
             </a:fld>
             <a:endParaRPr lang="fr-FR"/>
           </a:p>
@@ -1415,7 +1420,7 @@
           <a:p>
             <a:fld id="{9DDEEEAB-3696-4A1E-8142-33E8C20CD148}" type="datetimeFigureOut">
               <a:rPr lang="fr-FR" smtClean="0"/>
-              <a:t>02/09/2025</a:t>
+              <a:t>21/09/2025</a:t>
             </a:fld>
             <a:endParaRPr lang="fr-FR"/>
           </a:p>
@@ -1827,7 +1832,7 @@
           <a:p>
             <a:fld id="{9DDEEEAB-3696-4A1E-8142-33E8C20CD148}" type="datetimeFigureOut">
               <a:rPr lang="fr-FR" smtClean="0"/>
-              <a:t>02/09/2025</a:t>
+              <a:t>21/09/2025</a:t>
             </a:fld>
             <a:endParaRPr lang="fr-FR"/>
           </a:p>
@@ -1968,7 +1973,7 @@
           <a:p>
             <a:fld id="{9DDEEEAB-3696-4A1E-8142-33E8C20CD148}" type="datetimeFigureOut">
               <a:rPr lang="fr-FR" smtClean="0"/>
-              <a:t>02/09/2025</a:t>
+              <a:t>21/09/2025</a:t>
             </a:fld>
             <a:endParaRPr lang="fr-FR"/>
           </a:p>
@@ -2081,7 +2086,7 @@
           <a:p>
             <a:fld id="{9DDEEEAB-3696-4A1E-8142-33E8C20CD148}" type="datetimeFigureOut">
               <a:rPr lang="fr-FR" smtClean="0"/>
-              <a:t>02/09/2025</a:t>
+              <a:t>21/09/2025</a:t>
             </a:fld>
             <a:endParaRPr lang="fr-FR"/>
           </a:p>
@@ -2392,7 +2397,7 @@
           <a:p>
             <a:fld id="{9DDEEEAB-3696-4A1E-8142-33E8C20CD148}" type="datetimeFigureOut">
               <a:rPr lang="fr-FR" smtClean="0"/>
-              <a:t>02/09/2025</a:t>
+              <a:t>21/09/2025</a:t>
             </a:fld>
             <a:endParaRPr lang="fr-FR"/>
           </a:p>
@@ -2680,7 +2685,7 @@
           <a:p>
             <a:fld id="{9DDEEEAB-3696-4A1E-8142-33E8C20CD148}" type="datetimeFigureOut">
               <a:rPr lang="fr-FR" smtClean="0"/>
-              <a:t>02/09/2025</a:t>
+              <a:t>21/09/2025</a:t>
             </a:fld>
             <a:endParaRPr lang="fr-FR"/>
           </a:p>
@@ -2921,7 +2926,7 @@
           <a:p>
             <a:fld id="{9DDEEEAB-3696-4A1E-8142-33E8C20CD148}" type="datetimeFigureOut">
               <a:rPr lang="fr-FR" smtClean="0"/>
-              <a:t>02/09/2025</a:t>
+              <a:t>21/09/2025</a:t>
             </a:fld>
             <a:endParaRPr lang="fr-FR"/>
           </a:p>
@@ -3437,7 +3442,7 @@
           <p:cNvPr id="2" name="Titre 1">
             <a:extLst>
               <a:ext uri="{FF2B5EF4-FFF2-40B4-BE49-F238E27FC236}">
-                <a16:creationId xmlns:a16="http://schemas.microsoft.com/office/drawing/2014/main" id="{8DE7CC90-6E9B-CAEB-689D-CD56BCC83E02}"/>
+                <a16:creationId xmlns:a16="http://schemas.microsoft.com/office/drawing/2014/main" id="{40D2B419-4E01-D8E8-F79F-8879328E5098}"/>
               </a:ext>
             </a:extLst>
           </p:cNvPr>
@@ -3455,7 +3460,7 @@
           <a:p>
             <a:r>
               <a:rPr lang="fr-FR" dirty="0"/>
-              <a:t>Exemples d’outils pédagogiques</a:t>
+              <a:t>Retours d’expérience</a:t>
             </a:r>
           </a:p>
         </p:txBody>
@@ -3465,7 +3470,7 @@
           <p:cNvPr id="3" name="Espace réservé du contenu 2">
             <a:extLst>
               <a:ext uri="{FF2B5EF4-FFF2-40B4-BE49-F238E27FC236}">
-                <a16:creationId xmlns:a16="http://schemas.microsoft.com/office/drawing/2014/main" id="{FBE4A8A6-026C-3940-C329-D76D2012B578}"/>
+                <a16:creationId xmlns:a16="http://schemas.microsoft.com/office/drawing/2014/main" id="{672391AD-E916-36DA-CD93-59521E7501F0}"/>
               </a:ext>
             </a:extLst>
           </p:cNvPr>
@@ -3481,46 +3486,20 @@
           <a:bodyPr/>
           <a:lstStyle/>
           <a:p>
-            <a:r>
-              <a:rPr lang="fr-FR" dirty="0"/>
-              <a:t>Exercices de reformulation : à partir d’un prompt naïf faire améliorer le prompt pour un meilleur résultat</a:t>
-            </a:r>
-          </a:p>
-          <a:p>
-            <a:r>
-              <a:rPr lang="fr-FR" dirty="0"/>
-              <a:t>Comparer les historiques de prompts pour résoudre des exercices de code</a:t>
-            </a:r>
-          </a:p>
-          <a:p>
-            <a:r>
-              <a:rPr lang="fr-FR" dirty="0"/>
-              <a:t>Critique du code généré par IA : quels sont les erreurs ou les imprécisions du code généré par l’IA ? </a:t>
-            </a:r>
-          </a:p>
-          <a:p>
-            <a:r>
-              <a:rPr lang="fr-FR" dirty="0"/>
-              <a:t>Faire générer des questions de compréhension d’un code source</a:t>
-            </a:r>
-          </a:p>
-          <a:p>
-            <a:r>
-              <a:rPr lang="fr-FR" dirty="0"/>
-              <a:t>Créer des exercices de code variés pour travailler des </a:t>
-            </a:r>
-            <a:r>
-              <a:rPr lang="fr-FR"/>
-              <a:t>points précis</a:t>
-            </a:r>
-            <a:endParaRPr lang="fr-FR" dirty="0"/>
+            <a:pPr marL="0" indent="0">
+              <a:buNone/>
+            </a:pPr>
+            <a:r>
+              <a:rPr lang="fr-FR" dirty="0"/>
+              <a:t>Meilleurs étudiants : utilisent l’IA pour des tâches petites et bien définies, importance du juste niveau de délégation à l’outil d’IA générative</a:t>
+            </a:r>
           </a:p>
         </p:txBody>
       </p:sp>
     </p:spTree>
     <p:extLst>
       <p:ext uri="{BB962C8B-B14F-4D97-AF65-F5344CB8AC3E}">
-        <p14:creationId xmlns:p14="http://schemas.microsoft.com/office/powerpoint/2010/main" val="310796057"/>
+        <p14:creationId xmlns:p14="http://schemas.microsoft.com/office/powerpoint/2010/main" val="39100074"/>
       </p:ext>
     </p:extLst>
   </p:cSld>
@@ -3552,7 +3531,7 @@
           <p:cNvPr id="2" name="Titre 1">
             <a:extLst>
               <a:ext uri="{FF2B5EF4-FFF2-40B4-BE49-F238E27FC236}">
-                <a16:creationId xmlns:a16="http://schemas.microsoft.com/office/drawing/2014/main" id="{B85E14DF-1F96-BB1D-8F38-E8BA6E672803}"/>
+                <a16:creationId xmlns:a16="http://schemas.microsoft.com/office/drawing/2014/main" id="{BBE08483-BD30-D2D2-03B1-E29D1E6D1528}"/>
               </a:ext>
             </a:extLst>
           </p:cNvPr>
@@ -3569,9 +3548,10 @@
           <a:lstStyle/>
           <a:p>
             <a:r>
-              <a:rPr lang="fr-FR" dirty="0"/>
-              <a:t>Nouveau type de dette technique</a:t>
-            </a:r>
+              <a:rPr lang="fr-FR"/>
+              <a:t>Idées</a:t>
+            </a:r>
+            <a:endParaRPr lang="fr-FR" dirty="0"/>
           </a:p>
         </p:txBody>
       </p:sp>
@@ -3580,7 +3560,7 @@
           <p:cNvPr id="3" name="Espace réservé du contenu 2">
             <a:extLst>
               <a:ext uri="{FF2B5EF4-FFF2-40B4-BE49-F238E27FC236}">
-                <a16:creationId xmlns:a16="http://schemas.microsoft.com/office/drawing/2014/main" id="{E77A88B8-CCA3-7548-1F2A-BCA863E86E8C}"/>
+                <a16:creationId xmlns:a16="http://schemas.microsoft.com/office/drawing/2014/main" id="{1919170E-21A2-0C2E-4AA4-7559CDF262C8}"/>
               </a:ext>
             </a:extLst>
           </p:cNvPr>
@@ -3598,15 +3578,32 @@
           <a:p>
             <a:r>
               <a:rPr lang="fr-FR" dirty="0"/>
-              <a:t>Pour des script métier de quelques 100 ou 1000 de lignes de code, on peut concentrer sur le résultat</a:t>
-            </a:r>
+              <a:t>Risques : perte d’esprit critique, de responsabilité sur le code produit</a:t>
+            </a:r>
+          </a:p>
+          <a:p>
+            <a:r>
+              <a:rPr lang="fr-FR" dirty="0"/>
+              <a:t>Sensibiliser aux erreurs les plus fréquentes des LLM</a:t>
+            </a:r>
+          </a:p>
+          <a:p>
+            <a:r>
+              <a:rPr lang="fr-FR" dirty="0"/>
+              <a:t>Se créer ses propres outils LLM en local avec </a:t>
+            </a:r>
+            <a:r>
+              <a:rPr lang="fr-FR" dirty="0" err="1"/>
+              <a:t>Ollama</a:t>
+            </a:r>
+            <a:endParaRPr lang="fr-FR" dirty="0"/>
           </a:p>
         </p:txBody>
       </p:sp>
     </p:spTree>
     <p:extLst>
       <p:ext uri="{BB962C8B-B14F-4D97-AF65-F5344CB8AC3E}">
-        <p14:creationId xmlns:p14="http://schemas.microsoft.com/office/powerpoint/2010/main" val="2867169506"/>
+        <p14:creationId xmlns:p14="http://schemas.microsoft.com/office/powerpoint/2010/main" val="680248201"/>
       </p:ext>
     </p:extLst>
   </p:cSld>
@@ -3638,6 +3635,716 @@
           <p:cNvPr id="2" name="Titre 1">
             <a:extLst>
               <a:ext uri="{FF2B5EF4-FFF2-40B4-BE49-F238E27FC236}">
+                <a16:creationId xmlns:a16="http://schemas.microsoft.com/office/drawing/2014/main" id="{9BB9724F-B68A-31BB-025D-A383D7ED99D0}"/>
+              </a:ext>
+            </a:extLst>
+          </p:cNvPr>
+          <p:cNvSpPr>
+            <a:spLocks noGrp="1"/>
+          </p:cNvSpPr>
+          <p:nvPr>
+            <p:ph type="title"/>
+          </p:nvPr>
+        </p:nvSpPr>
+        <p:spPr/>
+        <p:txBody>
+          <a:bodyPr/>
+          <a:lstStyle/>
+          <a:p>
+            <a:r>
+              <a:rPr lang="fr-FR" dirty="0"/>
+              <a:t>Apprendre à coder et à </a:t>
+            </a:r>
+            <a:r>
+              <a:rPr lang="fr-FR" dirty="0" err="1"/>
+              <a:t>prompter</a:t>
+            </a:r>
+            <a:endParaRPr lang="fr-FR" dirty="0"/>
+          </a:p>
+        </p:txBody>
+      </p:sp>
+      <p:sp>
+        <p:nvSpPr>
+          <p:cNvPr id="3" name="Espace réservé du contenu 2">
+            <a:extLst>
+              <a:ext uri="{FF2B5EF4-FFF2-40B4-BE49-F238E27FC236}">
+                <a16:creationId xmlns:a16="http://schemas.microsoft.com/office/drawing/2014/main" id="{CF7CB94C-FEB1-66BE-6BD2-4A3EA0C41D17}"/>
+              </a:ext>
+            </a:extLst>
+          </p:cNvPr>
+          <p:cNvSpPr>
+            <a:spLocks noGrp="1"/>
+          </p:cNvSpPr>
+          <p:nvPr>
+            <p:ph idx="1"/>
+          </p:nvPr>
+        </p:nvSpPr>
+        <p:spPr/>
+        <p:txBody>
+          <a:bodyPr/>
+          <a:lstStyle/>
+          <a:p>
+            <a:pPr marL="0" indent="0">
+              <a:buNone/>
+            </a:pPr>
+            <a:r>
+              <a:rPr lang="fr-FR" dirty="0">
+                <a:hlinkClick r:id="rId2"/>
+              </a:rPr>
+              <a:t>Les écoles d’informatique au cœur de la révolution des IA génératives : « Il faut former des personnes qui peuvent coder et </a:t>
+            </a:r>
+            <a:r>
+              <a:rPr lang="fr-FR" dirty="0" err="1">
+                <a:hlinkClick r:id="rId2"/>
+              </a:rPr>
+              <a:t>prompter</a:t>
+            </a:r>
+            <a:r>
+              <a:rPr lang="fr-FR" dirty="0">
+                <a:hlinkClick r:id="rId2"/>
+              </a:rPr>
+              <a:t> » </a:t>
+            </a:r>
+            <a:r>
+              <a:rPr lang="fr-FR" dirty="0"/>
+              <a:t>, Le Monde, 15/05/24</a:t>
+            </a:r>
+          </a:p>
+        </p:txBody>
+      </p:sp>
+    </p:spTree>
+    <p:extLst>
+      <p:ext uri="{BB962C8B-B14F-4D97-AF65-F5344CB8AC3E}">
+        <p14:creationId xmlns:p14="http://schemas.microsoft.com/office/powerpoint/2010/main" val="1848149221"/>
+      </p:ext>
+    </p:extLst>
+  </p:cSld>
+  <p:clrMapOvr>
+    <a:masterClrMapping/>
+  </p:clrMapOvr>
+</p:sld>
+</file>
+
+<file path=ppt/slides/slide13.xml><?xml version="1.0" encoding="utf-8"?>
+<p:sld xmlns:a="http://schemas.openxmlformats.org/drawingml/2006/main" xmlns:r="http://schemas.openxmlformats.org/officeDocument/2006/relationships" xmlns:p="http://schemas.openxmlformats.org/presentationml/2006/main">
+  <p:cSld>
+    <p:spTree>
+      <p:nvGrpSpPr>
+        <p:cNvPr id="1" name=""/>
+        <p:cNvGrpSpPr/>
+        <p:nvPr/>
+      </p:nvGrpSpPr>
+      <p:grpSpPr>
+        <a:xfrm>
+          <a:off x="0" y="0"/>
+          <a:ext cx="0" cy="0"/>
+          <a:chOff x="0" y="0"/>
+          <a:chExt cx="0" cy="0"/>
+        </a:xfrm>
+      </p:grpSpPr>
+      <p:sp>
+        <p:nvSpPr>
+          <p:cNvPr id="2" name="Titre 1">
+            <a:extLst>
+              <a:ext uri="{FF2B5EF4-FFF2-40B4-BE49-F238E27FC236}">
+                <a16:creationId xmlns:a16="http://schemas.microsoft.com/office/drawing/2014/main" id="{5E99508C-9892-546D-E47F-FF7E9408EEA3}"/>
+              </a:ext>
+            </a:extLst>
+          </p:cNvPr>
+          <p:cNvSpPr>
+            <a:spLocks noGrp="1"/>
+          </p:cNvSpPr>
+          <p:nvPr>
+            <p:ph type="title"/>
+          </p:nvPr>
+        </p:nvSpPr>
+        <p:spPr/>
+        <p:txBody>
+          <a:bodyPr/>
+          <a:lstStyle/>
+          <a:p>
+            <a:r>
+              <a:rPr lang="fr-FR" dirty="0"/>
+              <a:t>Perspective historique</a:t>
+            </a:r>
+          </a:p>
+        </p:txBody>
+      </p:sp>
+      <p:sp>
+        <p:nvSpPr>
+          <p:cNvPr id="3" name="Espace réservé du contenu 2">
+            <a:extLst>
+              <a:ext uri="{FF2B5EF4-FFF2-40B4-BE49-F238E27FC236}">
+                <a16:creationId xmlns:a16="http://schemas.microsoft.com/office/drawing/2014/main" id="{B08EDB0D-5FCD-EF50-D5D1-9041C2C3F2DF}"/>
+              </a:ext>
+            </a:extLst>
+          </p:cNvPr>
+          <p:cNvSpPr>
+            <a:spLocks noGrp="1"/>
+          </p:cNvSpPr>
+          <p:nvPr>
+            <p:ph idx="1"/>
+          </p:nvPr>
+        </p:nvSpPr>
+        <p:spPr/>
+        <p:txBody>
+          <a:bodyPr/>
+          <a:lstStyle/>
+          <a:p>
+            <a:r>
+              <a:rPr lang="fr-FR" dirty="0"/>
+              <a:t>D’abord assembleur, puis langage bas niveau (type C), puis langage plus haut niveau (type Python) puis maintenant prompt ?</a:t>
+            </a:r>
+          </a:p>
+          <a:p>
+            <a:r>
+              <a:rPr lang="fr-FR" dirty="0"/>
+              <a:t>Comme la radio n’a pas fait disparaitre la presse écrite, comme la télévision n’a pas fait disparaitre la radio, comme internet n’a pas fait disparaitre la télévision…</a:t>
+            </a:r>
+          </a:p>
+          <a:p>
+            <a:endParaRPr lang="fr-FR" dirty="0"/>
+          </a:p>
+          <a:p>
+            <a:pPr marL="0" indent="0">
+              <a:buNone/>
+            </a:pPr>
+            <a:r>
+              <a:rPr lang="fr-FR" dirty="0"/>
+              <a:t>Montée en abstraction, pas de remplacement mais ajout et nouveaux utilisateurs</a:t>
+            </a:r>
+          </a:p>
+        </p:txBody>
+      </p:sp>
+    </p:spTree>
+    <p:extLst>
+      <p:ext uri="{BB962C8B-B14F-4D97-AF65-F5344CB8AC3E}">
+        <p14:creationId xmlns:p14="http://schemas.microsoft.com/office/powerpoint/2010/main" val="3705171013"/>
+      </p:ext>
+    </p:extLst>
+  </p:cSld>
+  <p:clrMapOvr>
+    <a:masterClrMapping/>
+  </p:clrMapOvr>
+</p:sld>
+</file>
+
+<file path=ppt/slides/slide14.xml><?xml version="1.0" encoding="utf-8"?>
+<p:sld xmlns:a="http://schemas.openxmlformats.org/drawingml/2006/main" xmlns:r="http://schemas.openxmlformats.org/officeDocument/2006/relationships" xmlns:p="http://schemas.openxmlformats.org/presentationml/2006/main">
+  <p:cSld>
+    <p:spTree>
+      <p:nvGrpSpPr>
+        <p:cNvPr id="1" name=""/>
+        <p:cNvGrpSpPr/>
+        <p:nvPr/>
+      </p:nvGrpSpPr>
+      <p:grpSpPr>
+        <a:xfrm>
+          <a:off x="0" y="0"/>
+          <a:ext cx="0" cy="0"/>
+          <a:chOff x="0" y="0"/>
+          <a:chExt cx="0" cy="0"/>
+        </a:xfrm>
+      </p:grpSpPr>
+      <p:sp>
+        <p:nvSpPr>
+          <p:cNvPr id="2" name="Titre 1">
+            <a:extLst>
+              <a:ext uri="{FF2B5EF4-FFF2-40B4-BE49-F238E27FC236}">
+                <a16:creationId xmlns:a16="http://schemas.microsoft.com/office/drawing/2014/main" id="{6426E82A-5F7D-2BCD-8021-34D96336E1C0}"/>
+              </a:ext>
+            </a:extLst>
+          </p:cNvPr>
+          <p:cNvSpPr>
+            <a:spLocks noGrp="1"/>
+          </p:cNvSpPr>
+          <p:nvPr>
+            <p:ph type="title"/>
+          </p:nvPr>
+        </p:nvSpPr>
+        <p:spPr/>
+        <p:txBody>
+          <a:bodyPr/>
+          <a:lstStyle/>
+          <a:p>
+            <a:r>
+              <a:rPr lang="fr-FR" dirty="0"/>
+              <a:t>Perspective historique</a:t>
+            </a:r>
+          </a:p>
+        </p:txBody>
+      </p:sp>
+      <p:cxnSp>
+        <p:nvCxnSpPr>
+          <p:cNvPr id="5" name="Connecteur droit avec flèche 4">
+            <a:extLst>
+              <a:ext uri="{FF2B5EF4-FFF2-40B4-BE49-F238E27FC236}">
+                <a16:creationId xmlns:a16="http://schemas.microsoft.com/office/drawing/2014/main" id="{AF72E37C-F625-37F9-45E2-009D6B612EBC}"/>
+              </a:ext>
+            </a:extLst>
+          </p:cNvPr>
+          <p:cNvCxnSpPr/>
+          <p:nvPr/>
+        </p:nvCxnSpPr>
+        <p:spPr>
+          <a:xfrm>
+            <a:off x="1047750" y="5514976"/>
+            <a:ext cx="10306050" cy="0"/>
+          </a:xfrm>
+          <a:prstGeom prst="straightConnector1">
+            <a:avLst/>
+          </a:prstGeom>
+          <a:ln>
+            <a:tailEnd type="triangle"/>
+          </a:ln>
+        </p:spPr>
+        <p:style>
+          <a:lnRef idx="2">
+            <a:schemeClr val="accent1"/>
+          </a:lnRef>
+          <a:fillRef idx="0">
+            <a:schemeClr val="accent1"/>
+          </a:fillRef>
+          <a:effectRef idx="1">
+            <a:schemeClr val="accent1"/>
+          </a:effectRef>
+          <a:fontRef idx="minor">
+            <a:schemeClr val="tx1"/>
+          </a:fontRef>
+        </p:style>
+      </p:cxnSp>
+      <p:sp>
+        <p:nvSpPr>
+          <p:cNvPr id="6" name="Rectangle 5">
+            <a:extLst>
+              <a:ext uri="{FF2B5EF4-FFF2-40B4-BE49-F238E27FC236}">
+                <a16:creationId xmlns:a16="http://schemas.microsoft.com/office/drawing/2014/main" id="{78EB0D60-767C-43C5-268B-467F902B1C7B}"/>
+              </a:ext>
+            </a:extLst>
+          </p:cNvPr>
+          <p:cNvSpPr/>
+          <p:nvPr/>
+        </p:nvSpPr>
+        <p:spPr>
+          <a:xfrm>
+            <a:off x="1228725" y="1843089"/>
+            <a:ext cx="10125075" cy="276226"/>
+          </a:xfrm>
+          <a:prstGeom prst="rect">
+            <a:avLst/>
+          </a:prstGeom>
+        </p:spPr>
+        <p:style>
+          <a:lnRef idx="2">
+            <a:schemeClr val="accent1">
+              <a:shade val="15000"/>
+            </a:schemeClr>
+          </a:lnRef>
+          <a:fillRef idx="1">
+            <a:schemeClr val="accent1"/>
+          </a:fillRef>
+          <a:effectRef idx="0">
+            <a:schemeClr val="accent1"/>
+          </a:effectRef>
+          <a:fontRef idx="minor">
+            <a:schemeClr val="lt1"/>
+          </a:fontRef>
+        </p:style>
+        <p:txBody>
+          <a:bodyPr rtlCol="0" anchor="ctr"/>
+          <a:lstStyle/>
+          <a:p>
+            <a:pPr algn="ctr"/>
+            <a:r>
+              <a:rPr lang="fr-FR" dirty="0"/>
+              <a:t>Assembleur</a:t>
+            </a:r>
+          </a:p>
+        </p:txBody>
+      </p:sp>
+      <p:sp>
+        <p:nvSpPr>
+          <p:cNvPr id="7" name="Rectangle 6">
+            <a:extLst>
+              <a:ext uri="{FF2B5EF4-FFF2-40B4-BE49-F238E27FC236}">
+                <a16:creationId xmlns:a16="http://schemas.microsoft.com/office/drawing/2014/main" id="{183623F7-D5F2-83E9-30C7-923162BB4BE1}"/>
+              </a:ext>
+            </a:extLst>
+          </p:cNvPr>
+          <p:cNvSpPr/>
+          <p:nvPr/>
+        </p:nvSpPr>
+        <p:spPr>
+          <a:xfrm>
+            <a:off x="3514723" y="2568774"/>
+            <a:ext cx="7839075" cy="414337"/>
+          </a:xfrm>
+          <a:prstGeom prst="rect">
+            <a:avLst/>
+          </a:prstGeom>
+        </p:spPr>
+        <p:style>
+          <a:lnRef idx="2">
+            <a:schemeClr val="accent1">
+              <a:shade val="15000"/>
+            </a:schemeClr>
+          </a:lnRef>
+          <a:fillRef idx="1">
+            <a:schemeClr val="accent1"/>
+          </a:fillRef>
+          <a:effectRef idx="0">
+            <a:schemeClr val="accent1"/>
+          </a:effectRef>
+          <a:fontRef idx="minor">
+            <a:schemeClr val="lt1"/>
+          </a:fontRef>
+        </p:style>
+        <p:txBody>
+          <a:bodyPr rtlCol="0" anchor="ctr"/>
+          <a:lstStyle/>
+          <a:p>
+            <a:pPr algn="ctr"/>
+            <a:r>
+              <a:rPr lang="fr-FR" dirty="0"/>
+              <a:t>Langages bas niveau (type C)</a:t>
+            </a:r>
+          </a:p>
+        </p:txBody>
+      </p:sp>
+      <p:sp>
+        <p:nvSpPr>
+          <p:cNvPr id="8" name="Rectangle 7">
+            <a:extLst>
+              <a:ext uri="{FF2B5EF4-FFF2-40B4-BE49-F238E27FC236}">
+                <a16:creationId xmlns:a16="http://schemas.microsoft.com/office/drawing/2014/main" id="{B76AA7BF-F7D8-72A5-5934-9BBD6F119857}"/>
+              </a:ext>
+            </a:extLst>
+          </p:cNvPr>
+          <p:cNvSpPr/>
+          <p:nvPr/>
+        </p:nvSpPr>
+        <p:spPr>
+          <a:xfrm>
+            <a:off x="5929312" y="3380786"/>
+            <a:ext cx="5424486" cy="650677"/>
+          </a:xfrm>
+          <a:prstGeom prst="rect">
+            <a:avLst/>
+          </a:prstGeom>
+        </p:spPr>
+        <p:style>
+          <a:lnRef idx="2">
+            <a:schemeClr val="accent1">
+              <a:shade val="15000"/>
+            </a:schemeClr>
+          </a:lnRef>
+          <a:fillRef idx="1">
+            <a:schemeClr val="accent1"/>
+          </a:fillRef>
+          <a:effectRef idx="0">
+            <a:schemeClr val="accent1"/>
+          </a:effectRef>
+          <a:fontRef idx="minor">
+            <a:schemeClr val="lt1"/>
+          </a:fontRef>
+        </p:style>
+        <p:txBody>
+          <a:bodyPr rtlCol="0" anchor="ctr"/>
+          <a:lstStyle/>
+          <a:p>
+            <a:pPr algn="ctr"/>
+            <a:r>
+              <a:rPr lang="fr-FR" dirty="0"/>
+              <a:t>Langages haut niveau (type Python)</a:t>
+            </a:r>
+          </a:p>
+        </p:txBody>
+      </p:sp>
+      <p:sp>
+        <p:nvSpPr>
+          <p:cNvPr id="9" name="Rectangle 8">
+            <a:extLst>
+              <a:ext uri="{FF2B5EF4-FFF2-40B4-BE49-F238E27FC236}">
+                <a16:creationId xmlns:a16="http://schemas.microsoft.com/office/drawing/2014/main" id="{501E2E6D-39C2-EAB3-7EA9-5C399EEC155C}"/>
+              </a:ext>
+            </a:extLst>
+          </p:cNvPr>
+          <p:cNvSpPr/>
+          <p:nvPr/>
+        </p:nvSpPr>
+        <p:spPr>
+          <a:xfrm>
+            <a:off x="10172700" y="4330328"/>
+            <a:ext cx="1181098" cy="971533"/>
+          </a:xfrm>
+          <a:prstGeom prst="rect">
+            <a:avLst/>
+          </a:prstGeom>
+        </p:spPr>
+        <p:style>
+          <a:lnRef idx="2">
+            <a:schemeClr val="accent1">
+              <a:shade val="15000"/>
+            </a:schemeClr>
+          </a:lnRef>
+          <a:fillRef idx="1">
+            <a:schemeClr val="accent1"/>
+          </a:fillRef>
+          <a:effectRef idx="0">
+            <a:schemeClr val="accent1"/>
+          </a:effectRef>
+          <a:fontRef idx="minor">
+            <a:schemeClr val="lt1"/>
+          </a:fontRef>
+        </p:style>
+        <p:txBody>
+          <a:bodyPr rtlCol="0" anchor="ctr"/>
+          <a:lstStyle/>
+          <a:p>
+            <a:pPr algn="ctr"/>
+            <a:r>
+              <a:rPr lang="fr-FR" dirty="0"/>
+              <a:t>Langage naturel (prompt)</a:t>
+            </a:r>
+          </a:p>
+        </p:txBody>
+      </p:sp>
+    </p:spTree>
+    <p:extLst>
+      <p:ext uri="{BB962C8B-B14F-4D97-AF65-F5344CB8AC3E}">
+        <p14:creationId xmlns:p14="http://schemas.microsoft.com/office/powerpoint/2010/main" val="4289681149"/>
+      </p:ext>
+    </p:extLst>
+  </p:cSld>
+  <p:clrMapOvr>
+    <a:masterClrMapping/>
+  </p:clrMapOvr>
+</p:sld>
+</file>
+
+<file path=ppt/slides/slide15.xml><?xml version="1.0" encoding="utf-8"?>
+<p:sld xmlns:a="http://schemas.openxmlformats.org/drawingml/2006/main" xmlns:r="http://schemas.openxmlformats.org/officeDocument/2006/relationships" xmlns:p="http://schemas.openxmlformats.org/presentationml/2006/main">
+  <p:cSld>
+    <p:spTree>
+      <p:nvGrpSpPr>
+        <p:cNvPr id="1" name=""/>
+        <p:cNvGrpSpPr/>
+        <p:nvPr/>
+      </p:nvGrpSpPr>
+      <p:grpSpPr>
+        <a:xfrm>
+          <a:off x="0" y="0"/>
+          <a:ext cx="0" cy="0"/>
+          <a:chOff x="0" y="0"/>
+          <a:chExt cx="0" cy="0"/>
+        </a:xfrm>
+      </p:grpSpPr>
+      <p:sp>
+        <p:nvSpPr>
+          <p:cNvPr id="2" name="Titre 1">
+            <a:extLst>
+              <a:ext uri="{FF2B5EF4-FFF2-40B4-BE49-F238E27FC236}">
+                <a16:creationId xmlns:a16="http://schemas.microsoft.com/office/drawing/2014/main" id="{8DE7CC90-6E9B-CAEB-689D-CD56BCC83E02}"/>
+              </a:ext>
+            </a:extLst>
+          </p:cNvPr>
+          <p:cNvSpPr>
+            <a:spLocks noGrp="1"/>
+          </p:cNvSpPr>
+          <p:nvPr>
+            <p:ph type="title"/>
+          </p:nvPr>
+        </p:nvSpPr>
+        <p:spPr/>
+        <p:txBody>
+          <a:bodyPr/>
+          <a:lstStyle/>
+          <a:p>
+            <a:r>
+              <a:rPr lang="fr-FR" dirty="0"/>
+              <a:t>Exemples d’outils pédagogiques</a:t>
+            </a:r>
+          </a:p>
+        </p:txBody>
+      </p:sp>
+      <p:sp>
+        <p:nvSpPr>
+          <p:cNvPr id="3" name="Espace réservé du contenu 2">
+            <a:extLst>
+              <a:ext uri="{FF2B5EF4-FFF2-40B4-BE49-F238E27FC236}">
+                <a16:creationId xmlns:a16="http://schemas.microsoft.com/office/drawing/2014/main" id="{FBE4A8A6-026C-3940-C329-D76D2012B578}"/>
+              </a:ext>
+            </a:extLst>
+          </p:cNvPr>
+          <p:cNvSpPr>
+            <a:spLocks noGrp="1"/>
+          </p:cNvSpPr>
+          <p:nvPr>
+            <p:ph idx="1"/>
+          </p:nvPr>
+        </p:nvSpPr>
+        <p:spPr/>
+        <p:txBody>
+          <a:bodyPr/>
+          <a:lstStyle/>
+          <a:p>
+            <a:r>
+              <a:rPr lang="fr-FR" dirty="0"/>
+              <a:t>Exercices de reformulation : à partir d’un prompt naïf faire améliorer le prompt pour un meilleur résultat</a:t>
+            </a:r>
+          </a:p>
+          <a:p>
+            <a:r>
+              <a:rPr lang="fr-FR" dirty="0"/>
+              <a:t>Comparer les historiques de prompts pour résoudre des exercices de code</a:t>
+            </a:r>
+          </a:p>
+          <a:p>
+            <a:r>
+              <a:rPr lang="fr-FR" dirty="0"/>
+              <a:t>Critique du code généré par IA : quels sont les erreurs ou les imprécisions du code généré par l’IA ? </a:t>
+            </a:r>
+          </a:p>
+          <a:p>
+            <a:r>
+              <a:rPr lang="fr-FR" dirty="0"/>
+              <a:t>Faire générer des questions de compréhension d’un code source</a:t>
+            </a:r>
+          </a:p>
+          <a:p>
+            <a:r>
+              <a:rPr lang="fr-FR" dirty="0"/>
+              <a:t>Créer des exercices de code variés pour travailler des </a:t>
+            </a:r>
+            <a:r>
+              <a:rPr lang="fr-FR"/>
+              <a:t>points précis</a:t>
+            </a:r>
+            <a:endParaRPr lang="fr-FR" dirty="0"/>
+          </a:p>
+        </p:txBody>
+      </p:sp>
+    </p:spTree>
+    <p:extLst>
+      <p:ext uri="{BB962C8B-B14F-4D97-AF65-F5344CB8AC3E}">
+        <p14:creationId xmlns:p14="http://schemas.microsoft.com/office/powerpoint/2010/main" val="310796057"/>
+      </p:ext>
+    </p:extLst>
+  </p:cSld>
+  <p:clrMapOvr>
+    <a:masterClrMapping/>
+  </p:clrMapOvr>
+</p:sld>
+</file>
+
+<file path=ppt/slides/slide16.xml><?xml version="1.0" encoding="utf-8"?>
+<p:sld xmlns:a="http://schemas.openxmlformats.org/drawingml/2006/main" xmlns:r="http://schemas.openxmlformats.org/officeDocument/2006/relationships" xmlns:p="http://schemas.openxmlformats.org/presentationml/2006/main">
+  <p:cSld>
+    <p:spTree>
+      <p:nvGrpSpPr>
+        <p:cNvPr id="1" name=""/>
+        <p:cNvGrpSpPr/>
+        <p:nvPr/>
+      </p:nvGrpSpPr>
+      <p:grpSpPr>
+        <a:xfrm>
+          <a:off x="0" y="0"/>
+          <a:ext cx="0" cy="0"/>
+          <a:chOff x="0" y="0"/>
+          <a:chExt cx="0" cy="0"/>
+        </a:xfrm>
+      </p:grpSpPr>
+      <p:sp>
+        <p:nvSpPr>
+          <p:cNvPr id="2" name="Titre 1">
+            <a:extLst>
+              <a:ext uri="{FF2B5EF4-FFF2-40B4-BE49-F238E27FC236}">
+                <a16:creationId xmlns:a16="http://schemas.microsoft.com/office/drawing/2014/main" id="{B85E14DF-1F96-BB1D-8F38-E8BA6E672803}"/>
+              </a:ext>
+            </a:extLst>
+          </p:cNvPr>
+          <p:cNvSpPr>
+            <a:spLocks noGrp="1"/>
+          </p:cNvSpPr>
+          <p:nvPr>
+            <p:ph type="title"/>
+          </p:nvPr>
+        </p:nvSpPr>
+        <p:spPr/>
+        <p:txBody>
+          <a:bodyPr/>
+          <a:lstStyle/>
+          <a:p>
+            <a:r>
+              <a:rPr lang="fr-FR" dirty="0"/>
+              <a:t>Nouveau type de dette technique</a:t>
+            </a:r>
+          </a:p>
+        </p:txBody>
+      </p:sp>
+      <p:sp>
+        <p:nvSpPr>
+          <p:cNvPr id="3" name="Espace réservé du contenu 2">
+            <a:extLst>
+              <a:ext uri="{FF2B5EF4-FFF2-40B4-BE49-F238E27FC236}">
+                <a16:creationId xmlns:a16="http://schemas.microsoft.com/office/drawing/2014/main" id="{E77A88B8-CCA3-7548-1F2A-BCA863E86E8C}"/>
+              </a:ext>
+            </a:extLst>
+          </p:cNvPr>
+          <p:cNvSpPr>
+            <a:spLocks noGrp="1"/>
+          </p:cNvSpPr>
+          <p:nvPr>
+            <p:ph idx="1"/>
+          </p:nvPr>
+        </p:nvSpPr>
+        <p:spPr/>
+        <p:txBody>
+          <a:bodyPr/>
+          <a:lstStyle/>
+          <a:p>
+            <a:r>
+              <a:rPr lang="fr-FR" dirty="0"/>
+              <a:t>Pour des script métier de quelques 100 ou 1000 de lignes de code, on peut concentrer sur le résultat</a:t>
+            </a:r>
+          </a:p>
+        </p:txBody>
+      </p:sp>
+    </p:spTree>
+    <p:extLst>
+      <p:ext uri="{BB962C8B-B14F-4D97-AF65-F5344CB8AC3E}">
+        <p14:creationId xmlns:p14="http://schemas.microsoft.com/office/powerpoint/2010/main" val="2867169506"/>
+      </p:ext>
+    </p:extLst>
+  </p:cSld>
+  <p:clrMapOvr>
+    <a:masterClrMapping/>
+  </p:clrMapOvr>
+</p:sld>
+</file>
+
+<file path=ppt/slides/slide17.xml><?xml version="1.0" encoding="utf-8"?>
+<p:sld xmlns:a="http://schemas.openxmlformats.org/drawingml/2006/main" xmlns:r="http://schemas.openxmlformats.org/officeDocument/2006/relationships" xmlns:p="http://schemas.openxmlformats.org/presentationml/2006/main">
+  <p:cSld>
+    <p:spTree>
+      <p:nvGrpSpPr>
+        <p:cNvPr id="1" name=""/>
+        <p:cNvGrpSpPr/>
+        <p:nvPr/>
+      </p:nvGrpSpPr>
+      <p:grpSpPr>
+        <a:xfrm>
+          <a:off x="0" y="0"/>
+          <a:ext cx="0" cy="0"/>
+          <a:chOff x="0" y="0"/>
+          <a:chExt cx="0" cy="0"/>
+        </a:xfrm>
+      </p:grpSpPr>
+      <p:sp>
+        <p:nvSpPr>
+          <p:cNvPr id="2" name="Titre 1">
+            <a:extLst>
+              <a:ext uri="{FF2B5EF4-FFF2-40B4-BE49-F238E27FC236}">
                 <a16:creationId xmlns:a16="http://schemas.microsoft.com/office/drawing/2014/main" id="{12460BB9-8B40-1C49-AFDD-D59C677B0275}"/>
               </a:ext>
             </a:extLst>
@@ -3815,7 +4522,7 @@
 </p:sld>
 </file>
 
-<file path=ppt/slides/slide13.xml><?xml version="1.0" encoding="utf-8"?>
+<file path=ppt/slides/slide18.xml><?xml version="1.0" encoding="utf-8"?>
 <p:sld xmlns:a="http://schemas.openxmlformats.org/drawingml/2006/main" xmlns:r="http://schemas.openxmlformats.org/officeDocument/2006/relationships" xmlns:p="http://schemas.openxmlformats.org/presentationml/2006/main">
   <p:cSld>
     <p:spTree>
@@ -3949,7 +4656,7 @@
           <p:cNvPr id="2" name="Titre 1">
             <a:extLst>
               <a:ext uri="{FF2B5EF4-FFF2-40B4-BE49-F238E27FC236}">
-                <a16:creationId xmlns:a16="http://schemas.microsoft.com/office/drawing/2014/main" id="{A5851A0B-F1AD-E5ED-AD61-1087383A1EFC}"/>
+                <a16:creationId xmlns:a16="http://schemas.microsoft.com/office/drawing/2014/main" id="{C8988262-6A34-07FE-2538-D47E01C4B6B1}"/>
               </a:ext>
             </a:extLst>
           </p:cNvPr>
@@ -3967,7 +4674,7 @@
           <a:p>
             <a:r>
               <a:rPr lang="fr-FR" dirty="0"/>
-              <a:t>Changement de point de vue</a:t>
+              <a:t>Animation du début</a:t>
             </a:r>
           </a:p>
         </p:txBody>
@@ -3977,7 +4684,7 @@
           <p:cNvPr id="3" name="Espace réservé du contenu 2">
             <a:extLst>
               <a:ext uri="{FF2B5EF4-FFF2-40B4-BE49-F238E27FC236}">
-                <a16:creationId xmlns:a16="http://schemas.microsoft.com/office/drawing/2014/main" id="{86A9ADC1-F8CA-C45A-1203-D19D33407A42}"/>
+                <a16:creationId xmlns:a16="http://schemas.microsoft.com/office/drawing/2014/main" id="{2FD5EF9E-A23E-D975-B2ED-72FFFCAF283C}"/>
               </a:ext>
             </a:extLst>
           </p:cNvPr>
@@ -3990,68 +4697,36 @@
         </p:nvSpPr>
         <p:spPr/>
         <p:txBody>
-          <a:bodyPr>
-            <a:normAutofit fontScale="70000" lnSpcReduction="20000"/>
-          </a:bodyPr>
-          <a:lstStyle/>
-          <a:p>
-            <a:r>
-              <a:rPr lang="fr-FR" dirty="0"/>
-              <a:t>L’écriture du code devient simple mais sa validation et sa correction plus compliquées. Déplacement du travail vers la vérification (comme pour les traducteurs)</a:t>
-            </a:r>
-          </a:p>
-          <a:p>
-            <a:r>
-              <a:rPr lang="fr-FR" dirty="0"/>
-              <a:t>Tache compliquée pour un développeur débutant</a:t>
-            </a:r>
-          </a:p>
-          <a:p>
-            <a:r>
-              <a:rPr lang="fr-FR" dirty="0"/>
-              <a:t>Ecriture de code permettait de monter en compétences</a:t>
-            </a:r>
-          </a:p>
-          <a:p>
-            <a:r>
-              <a:rPr lang="fr-FR" dirty="0"/>
-              <a:t>Désengagement </a:t>
-            </a:r>
-          </a:p>
-          <a:p>
-            <a:r>
-              <a:rPr lang="fr-FR" dirty="0"/>
-              <a:t>Confiance excessive dans le code généré par l’IA mais la responsabilité ne change pas et reste au développeur</a:t>
-            </a:r>
-          </a:p>
-          <a:p>
-            <a:r>
-              <a:rPr lang="fr-FR" dirty="0"/>
-              <a:t>Décomposer des problèmes complexes en tâches plus petites</a:t>
-            </a:r>
-          </a:p>
-          <a:p>
-            <a:r>
-              <a:rPr lang="fr-FR" dirty="0"/>
-              <a:t>Importance de la lecture, l'évaluation, la réécriture et la refactorisation du code plutôt que sur la génération à partir de zéro</a:t>
-            </a:r>
-          </a:p>
-          <a:p>
-            <a:r>
-              <a:rPr lang="fr-FR" dirty="0"/>
-              <a:t>Réfléchir à la pertinence et à la justesse des suggestions de l'IA, plutôt que de simplement les accepter</a:t>
-            </a:r>
-          </a:p>
-          <a:p>
-            <a:r>
-              <a:rPr lang="fr-FR" dirty="0"/>
-              <a:t>Importance du travail en équipe avec humain et agents LLM</a:t>
-            </a:r>
-          </a:p>
-          <a:p>
-            <a:r>
-              <a:rPr lang="fr-FR" dirty="0"/>
-              <a:t>Tous les à côté du code : documentation, tests, explications du code…</a:t>
+          <a:bodyPr/>
+          <a:lstStyle/>
+          <a:p>
+            <a:r>
+              <a:rPr lang="fr-FR" dirty="0"/>
+              <a:t>Comment enseigner le Python à l’ère de l’IA générative ?</a:t>
+            </a:r>
+          </a:p>
+          <a:p>
+            <a:r>
+              <a:rPr lang="fr-FR" dirty="0"/>
+              <a:t>Pourquoi apprendre le Python à l’ère de l’IA générative ?</a:t>
+            </a:r>
+          </a:p>
+          <a:p>
+            <a:r>
+              <a:rPr lang="fr-FR" dirty="0"/>
+              <a:t>Pourquoi apprendre à l’ère de l’IA générative ?</a:t>
+            </a:r>
+          </a:p>
+          <a:p>
+            <a:endParaRPr lang="fr-FR" dirty="0"/>
+          </a:p>
+          <a:p>
+            <a:pPr marL="0" indent="0">
+              <a:buNone/>
+            </a:pPr>
+            <a:r>
+              <a:rPr lang="fr-FR" dirty="0"/>
+              <a:t>Retournement puis prise de hauteur</a:t>
             </a:r>
           </a:p>
         </p:txBody>
@@ -4059,7 +4734,7 @@
     </p:spTree>
     <p:extLst>
       <p:ext uri="{BB962C8B-B14F-4D97-AF65-F5344CB8AC3E}">
-        <p14:creationId xmlns:p14="http://schemas.microsoft.com/office/powerpoint/2010/main" val="4223620700"/>
+        <p14:creationId xmlns:p14="http://schemas.microsoft.com/office/powerpoint/2010/main" val="245298769"/>
       </p:ext>
     </p:extLst>
   </p:cSld>
@@ -4091,7 +4766,7 @@
           <p:cNvPr id="2" name="Titre 1">
             <a:extLst>
               <a:ext uri="{FF2B5EF4-FFF2-40B4-BE49-F238E27FC236}">
-                <a16:creationId xmlns:a16="http://schemas.microsoft.com/office/drawing/2014/main" id="{6AD955DE-24F1-809F-5063-BA1A06B03BC2}"/>
+                <a16:creationId xmlns:a16="http://schemas.microsoft.com/office/drawing/2014/main" id="{74C8AEDD-B61E-2B59-5ED6-DC35E3E38249}"/>
               </a:ext>
             </a:extLst>
           </p:cNvPr>
@@ -4109,7 +4784,7 @@
           <a:p>
             <a:r>
               <a:rPr lang="fr-FR" dirty="0"/>
-              <a:t>Différence des profils</a:t>
+              <a:t>Pourquoi apprendre à l’ère de l’IA générative ?</a:t>
             </a:r>
           </a:p>
         </p:txBody>
@@ -4119,7 +4794,7 @@
           <p:cNvPr id="3" name="Espace réservé du contenu 2">
             <a:extLst>
               <a:ext uri="{FF2B5EF4-FFF2-40B4-BE49-F238E27FC236}">
-                <a16:creationId xmlns:a16="http://schemas.microsoft.com/office/drawing/2014/main" id="{F699C21E-580E-55F8-75CA-B4CAB44B490E}"/>
+                <a16:creationId xmlns:a16="http://schemas.microsoft.com/office/drawing/2014/main" id="{4CC9664F-A3A2-1703-FBC6-DDF84CEE2248}"/>
               </a:ext>
             </a:extLst>
           </p:cNvPr>
@@ -4135,44 +4810,14 @@
           <a:bodyPr/>
           <a:lstStyle/>
           <a:p>
-            <a:r>
-              <a:rPr lang="fr-FR" dirty="0"/>
-              <a:t>Développeur occasionnel : quelques centaines de lignes de code</a:t>
-            </a:r>
-          </a:p>
-          <a:p>
-            <a:pPr marL="0" indent="0">
-              <a:buNone/>
-            </a:pPr>
-            <a:r>
-              <a:rPr lang="fr-FR" dirty="0"/>
-              <a:t>Aide pour des métiers où le code n’est pas le cœur du métier</a:t>
-            </a:r>
-          </a:p>
-          <a:p>
-            <a:pPr marL="0" indent="0">
-              <a:buNone/>
-            </a:pPr>
-            <a:r>
-              <a:rPr lang="fr-FR" dirty="0"/>
-              <a:t>Ouverture de la puissance de code à des métiers qui ne l’utilisent pas directement mais pas de conceptions complexes car limites à la compréhension globale</a:t>
-            </a:r>
-          </a:p>
-          <a:p>
-            <a:endParaRPr lang="fr-FR" dirty="0"/>
-          </a:p>
-          <a:p>
-            <a:r>
-              <a:rPr lang="fr-FR" dirty="0"/>
-              <a:t>Développeur full time : projet complet</a:t>
-            </a:r>
+            <a:endParaRPr lang="fr-FR"/>
           </a:p>
         </p:txBody>
       </p:sp>
     </p:spTree>
     <p:extLst>
       <p:ext uri="{BB962C8B-B14F-4D97-AF65-F5344CB8AC3E}">
-        <p14:creationId xmlns:p14="http://schemas.microsoft.com/office/powerpoint/2010/main" val="43234648"/>
+        <p14:creationId xmlns:p14="http://schemas.microsoft.com/office/powerpoint/2010/main" val="4178727060"/>
       </p:ext>
     </p:extLst>
   </p:cSld>
@@ -4187,7 +4832,13 @@
   <p:cSld>
     <p:spTree>
       <p:nvGrpSpPr>
-        <p:cNvPr id="1" name=""/>
+        <p:cNvPr id="1" name="">
+          <a:extLst>
+            <a:ext uri="{FF2B5EF4-FFF2-40B4-BE49-F238E27FC236}">
+              <a16:creationId xmlns:a16="http://schemas.microsoft.com/office/drawing/2014/main" id="{7B4B29B8-9C20-FB11-BD17-7782FE25B727}"/>
+            </a:ext>
+          </a:extLst>
+        </p:cNvPr>
         <p:cNvGrpSpPr/>
         <p:nvPr/>
       </p:nvGrpSpPr>
@@ -4204,7 +4855,7 @@
           <p:cNvPr id="2" name="Titre 1">
             <a:extLst>
               <a:ext uri="{FF2B5EF4-FFF2-40B4-BE49-F238E27FC236}">
-                <a16:creationId xmlns:a16="http://schemas.microsoft.com/office/drawing/2014/main" id="{38FA325A-943C-FB18-348A-A5274E5877AA}"/>
+                <a16:creationId xmlns:a16="http://schemas.microsoft.com/office/drawing/2014/main" id="{188053E7-C85A-E2E9-EBBA-F5D47F7B7484}"/>
               </a:ext>
             </a:extLst>
           </p:cNvPr>
@@ -4222,7 +4873,7 @@
           <a:p>
             <a:r>
               <a:rPr lang="fr-FR" dirty="0"/>
-              <a:t>Différents outils</a:t>
+              <a:t>Pourquoi apprendre le Python à l’ère de l’IA générative ?</a:t>
             </a:r>
           </a:p>
         </p:txBody>
@@ -4232,7 +4883,7 @@
           <p:cNvPr id="3" name="Espace réservé du contenu 2">
             <a:extLst>
               <a:ext uri="{FF2B5EF4-FFF2-40B4-BE49-F238E27FC236}">
-                <a16:creationId xmlns:a16="http://schemas.microsoft.com/office/drawing/2014/main" id="{131927D6-7A7F-83FB-0BFA-E5550973DB85}"/>
+                <a16:creationId xmlns:a16="http://schemas.microsoft.com/office/drawing/2014/main" id="{BC8E77C2-3C4C-6E6B-4804-93E1A509D29D}"/>
               </a:ext>
             </a:extLst>
           </p:cNvPr>
@@ -4248,15 +4899,12 @@
           <a:bodyPr/>
           <a:lstStyle/>
           <a:p>
-            <a:r>
-              <a:rPr lang="fr-FR" dirty="0"/>
-              <a:t>Canevas dans les outils d’IA générative généraliste : bien pour des tout petit script où la vérification se fait par le résultat final (limite à un seul fichier)</a:t>
-            </a:r>
-          </a:p>
-          <a:p>
-            <a:r>
-              <a:rPr lang="fr-FR" dirty="0"/>
-              <a:t>Autres outils plus poussés</a:t>
+            <a:pPr marL="0" indent="0">
+              <a:buNone/>
+            </a:pPr>
+            <a:r>
+              <a:rPr lang="fr-FR" dirty="0"/>
+              <a:t>L’objectif d’apprendre le Python, ce n’est pas d’écrire du code mais avoir un impact sur le monde</a:t>
             </a:r>
           </a:p>
         </p:txBody>
@@ -4264,7 +4912,7 @@
     </p:spTree>
     <p:extLst>
       <p:ext uri="{BB962C8B-B14F-4D97-AF65-F5344CB8AC3E}">
-        <p14:creationId xmlns:p14="http://schemas.microsoft.com/office/powerpoint/2010/main" val="2704356235"/>
+        <p14:creationId xmlns:p14="http://schemas.microsoft.com/office/powerpoint/2010/main" val="3287086699"/>
       </p:ext>
     </p:extLst>
   </p:cSld>
@@ -4296,7 +4944,7 @@
           <p:cNvPr id="2" name="Titre 1">
             <a:extLst>
               <a:ext uri="{FF2B5EF4-FFF2-40B4-BE49-F238E27FC236}">
-                <a16:creationId xmlns:a16="http://schemas.microsoft.com/office/drawing/2014/main" id="{40D2B419-4E01-D8E8-F79F-8879328E5098}"/>
+                <a16:creationId xmlns:a16="http://schemas.microsoft.com/office/drawing/2014/main" id="{64DEFE17-7FC4-0660-2DFE-3C10CF05B9B5}"/>
               </a:ext>
             </a:extLst>
           </p:cNvPr>
@@ -4309,12 +4957,14 @@
         </p:nvSpPr>
         <p:spPr/>
         <p:txBody>
-          <a:bodyPr/>
-          <a:lstStyle/>
-          <a:p>
-            <a:r>
-              <a:rPr lang="fr-FR" dirty="0"/>
-              <a:t>Retours d’expérience</a:t>
+          <a:bodyPr>
+            <a:normAutofit/>
+          </a:bodyPr>
+          <a:lstStyle/>
+          <a:p>
+            <a:r>
+              <a:rPr lang="fr-FR" dirty="0"/>
+              <a:t>Comment enseigner le Python à l’ère de l’IA générative ?</a:t>
             </a:r>
           </a:p>
         </p:txBody>
@@ -4324,7 +4974,7 @@
           <p:cNvPr id="3" name="Espace réservé du contenu 2">
             <a:extLst>
               <a:ext uri="{FF2B5EF4-FFF2-40B4-BE49-F238E27FC236}">
-                <a16:creationId xmlns:a16="http://schemas.microsoft.com/office/drawing/2014/main" id="{672391AD-E916-36DA-CD93-59521E7501F0}"/>
+                <a16:creationId xmlns:a16="http://schemas.microsoft.com/office/drawing/2014/main" id="{B9C2ACCD-545C-A66D-2D06-6C0B82E7B179}"/>
               </a:ext>
             </a:extLst>
           </p:cNvPr>
@@ -4345,15 +4995,55 @@
             </a:pPr>
             <a:r>
               <a:rPr lang="fr-FR" dirty="0"/>
-              <a:t>Meilleurs étudiants : utilisent l’IA pour des tâches petites et bien définies, importance du juste niveau de délégation à l’outil d’IA générative</a:t>
-            </a:r>
+              <a:t>Quand et comment introduire les outils de génération de code ?</a:t>
+            </a:r>
+          </a:p>
+          <a:p>
+            <a:pPr marL="0" indent="0">
+              <a:buNone/>
+            </a:pPr>
+            <a:r>
+              <a:rPr lang="fr-FR" dirty="0"/>
+              <a:t>Pas de tabou : expliquer ces outils, leur rôle, les changements que ça engendre</a:t>
+            </a:r>
+          </a:p>
+          <a:p>
+            <a:pPr marL="0" indent="0">
+              <a:buNone/>
+            </a:pPr>
+            <a:r>
+              <a:rPr lang="fr-FR" dirty="0"/>
+              <a:t>Par étapes : pas d’outil, </a:t>
+            </a:r>
+            <a:r>
+              <a:rPr lang="fr-FR" dirty="0" err="1"/>
+              <a:t>auto-complétion</a:t>
+            </a:r>
+            <a:r>
+              <a:rPr lang="fr-FR" dirty="0"/>
+              <a:t> puis IA générative</a:t>
+            </a:r>
+          </a:p>
+          <a:p>
+            <a:pPr marL="0" indent="0">
+              <a:buNone/>
+            </a:pPr>
+            <a:r>
+              <a:rPr lang="fr-FR" dirty="0"/>
+              <a:t>Dans </a:t>
+            </a:r>
+            <a:r>
+              <a:rPr lang="fr-FR"/>
+              <a:t>le navigateur ou l’IDE</a:t>
+            </a:r>
+            <a:endParaRPr lang="fr-FR" dirty="0"/>
           </a:p>
         </p:txBody>
       </p:sp>
     </p:spTree>
     <p:extLst>
       <p:ext uri="{BB962C8B-B14F-4D97-AF65-F5344CB8AC3E}">
-        <p14:creationId xmlns:p14="http://schemas.microsoft.com/office/powerpoint/2010/main" val="39100074"/>
+        <p14:creationId xmlns:p14="http://schemas.microsoft.com/office/powerpoint/2010/main" val="3386223031"/>
       </p:ext>
     </p:extLst>
   </p:cSld>
@@ -4385,7 +5075,7 @@
           <p:cNvPr id="2" name="Titre 1">
             <a:extLst>
               <a:ext uri="{FF2B5EF4-FFF2-40B4-BE49-F238E27FC236}">
-                <a16:creationId xmlns:a16="http://schemas.microsoft.com/office/drawing/2014/main" id="{BBE08483-BD30-D2D2-03B1-E29D1E6D1528}"/>
+                <a16:creationId xmlns:a16="http://schemas.microsoft.com/office/drawing/2014/main" id="{DD5B1C6F-48D8-A5E8-5981-9DE8E071CFDE}"/>
               </a:ext>
             </a:extLst>
           </p:cNvPr>
@@ -4402,10 +5092,9 @@
           <a:lstStyle/>
           <a:p>
             <a:r>
-              <a:rPr lang="fr-FR"/>
-              <a:t>Idées</a:t>
-            </a:r>
-            <a:endParaRPr lang="fr-FR" dirty="0"/>
+              <a:rPr lang="fr-FR" dirty="0"/>
+              <a:t>Historique des outils d’IA générative pour le code</a:t>
+            </a:r>
           </a:p>
         </p:txBody>
       </p:sp>
@@ -4414,7 +5103,7 @@
           <p:cNvPr id="3" name="Espace réservé du contenu 2">
             <a:extLst>
               <a:ext uri="{FF2B5EF4-FFF2-40B4-BE49-F238E27FC236}">
-                <a16:creationId xmlns:a16="http://schemas.microsoft.com/office/drawing/2014/main" id="{1919170E-21A2-0C2E-4AA4-7559CDF262C8}"/>
+                <a16:creationId xmlns:a16="http://schemas.microsoft.com/office/drawing/2014/main" id="{4C35C964-B824-2C15-8027-85B83241BD4A}"/>
               </a:ext>
             </a:extLst>
           </p:cNvPr>
@@ -4430,34 +5119,14 @@
           <a:bodyPr/>
           <a:lstStyle/>
           <a:p>
-            <a:r>
-              <a:rPr lang="fr-FR" dirty="0"/>
-              <a:t>Risques : perte d’esprit critique, de responsabilité sur le code produit</a:t>
-            </a:r>
-          </a:p>
-          <a:p>
-            <a:r>
-              <a:rPr lang="fr-FR" dirty="0"/>
-              <a:t>Sensibiliser aux erreurs les plus fréquentes des LLM</a:t>
-            </a:r>
-          </a:p>
-          <a:p>
-            <a:r>
-              <a:rPr lang="fr-FR" dirty="0"/>
-              <a:t>Se créer ses propres outils LLM en local avec </a:t>
-            </a:r>
-            <a:r>
-              <a:rPr lang="fr-FR" dirty="0" err="1"/>
-              <a:t>Ollama</a:t>
-            </a:r>
-            <a:endParaRPr lang="fr-FR" dirty="0"/>
+            <a:endParaRPr lang="fr-FR"/>
           </a:p>
         </p:txBody>
       </p:sp>
     </p:spTree>
     <p:extLst>
       <p:ext uri="{BB962C8B-B14F-4D97-AF65-F5344CB8AC3E}">
-        <p14:creationId xmlns:p14="http://schemas.microsoft.com/office/powerpoint/2010/main" val="680248201"/>
+        <p14:creationId xmlns:p14="http://schemas.microsoft.com/office/powerpoint/2010/main" val="2443574121"/>
       </p:ext>
     </p:extLst>
   </p:cSld>
@@ -4489,7 +5158,7 @@
           <p:cNvPr id="2" name="Titre 1">
             <a:extLst>
               <a:ext uri="{FF2B5EF4-FFF2-40B4-BE49-F238E27FC236}">
-                <a16:creationId xmlns:a16="http://schemas.microsoft.com/office/drawing/2014/main" id="{9BB9724F-B68A-31BB-025D-A383D7ED99D0}"/>
+                <a16:creationId xmlns:a16="http://schemas.microsoft.com/office/drawing/2014/main" id="{A5851A0B-F1AD-E5ED-AD61-1087383A1EFC}"/>
               </a:ext>
             </a:extLst>
           </p:cNvPr>
@@ -4507,13 +5176,8 @@
           <a:p>
             <a:r>
               <a:rPr lang="fr-FR" dirty="0"/>
-              <a:t>Apprendre à coder et à </a:t>
-            </a:r>
-            <a:r>
-              <a:rPr lang="fr-FR" dirty="0" err="1"/>
-              <a:t>prompter</a:t>
-            </a:r>
-            <a:endParaRPr lang="fr-FR" dirty="0"/>
+              <a:t>Changement de point de vue</a:t>
+            </a:r>
           </a:p>
         </p:txBody>
       </p:sp>
@@ -4522,7 +5186,7 @@
           <p:cNvPr id="3" name="Espace réservé du contenu 2">
             <a:extLst>
               <a:ext uri="{FF2B5EF4-FFF2-40B4-BE49-F238E27FC236}">
-                <a16:creationId xmlns:a16="http://schemas.microsoft.com/office/drawing/2014/main" id="{CF7CB94C-FEB1-66BE-6BD2-4A3EA0C41D17}"/>
+                <a16:creationId xmlns:a16="http://schemas.microsoft.com/office/drawing/2014/main" id="{86A9ADC1-F8CA-C45A-1203-D19D33407A42}"/>
               </a:ext>
             </a:extLst>
           </p:cNvPr>
@@ -4535,33 +5199,68 @@
         </p:nvSpPr>
         <p:spPr/>
         <p:txBody>
-          <a:bodyPr/>
-          <a:lstStyle/>
-          <a:p>
-            <a:pPr marL="0" indent="0">
-              <a:buNone/>
-            </a:pPr>
-            <a:r>
-              <a:rPr lang="fr-FR" dirty="0">
-                <a:hlinkClick r:id="rId2"/>
-              </a:rPr>
-              <a:t>Les écoles d’informatique au cœur de la révolution des IA génératives : « Il faut former des personnes qui peuvent coder et </a:t>
-            </a:r>
-            <a:r>
-              <a:rPr lang="fr-FR" dirty="0" err="1">
-                <a:hlinkClick r:id="rId2"/>
-              </a:rPr>
-              <a:t>prompter</a:t>
-            </a:r>
-            <a:r>
-              <a:rPr lang="fr-FR" dirty="0">
-                <a:hlinkClick r:id="rId2"/>
-              </a:rPr>
-              <a:t> » </a:t>
-            </a:r>
-            <a:r>
-              <a:rPr lang="fr-FR" dirty="0"/>
-              <a:t>, Le Monde, 15/05/24</a:t>
+          <a:bodyPr>
+            <a:normAutofit fontScale="70000" lnSpcReduction="20000"/>
+          </a:bodyPr>
+          <a:lstStyle/>
+          <a:p>
+            <a:r>
+              <a:rPr lang="fr-FR" dirty="0"/>
+              <a:t>L’écriture du code devient simple mais sa validation et sa correction plus compliquées. Déplacement du travail vers la vérification (comme pour les traducteurs)</a:t>
+            </a:r>
+          </a:p>
+          <a:p>
+            <a:r>
+              <a:rPr lang="fr-FR" dirty="0"/>
+              <a:t>Tache compliquée pour un développeur débutant</a:t>
+            </a:r>
+          </a:p>
+          <a:p>
+            <a:r>
+              <a:rPr lang="fr-FR" dirty="0"/>
+              <a:t>Ecriture de code permettait de monter en compétences</a:t>
+            </a:r>
+          </a:p>
+          <a:p>
+            <a:r>
+              <a:rPr lang="fr-FR" dirty="0"/>
+              <a:t>Désengagement </a:t>
+            </a:r>
+          </a:p>
+          <a:p>
+            <a:r>
+              <a:rPr lang="fr-FR" dirty="0"/>
+              <a:t>Confiance excessive dans le code généré par l’IA mais la responsabilité ne change pas et reste au développeur</a:t>
+            </a:r>
+          </a:p>
+          <a:p>
+            <a:r>
+              <a:rPr lang="fr-FR" dirty="0"/>
+              <a:t>Décomposer des problèmes complexes en tâches plus petites</a:t>
+            </a:r>
+          </a:p>
+          <a:p>
+            <a:r>
+              <a:rPr lang="fr-FR" dirty="0"/>
+              <a:t>Importance de la lecture, l'évaluation, la réécriture et la refactorisation du code plutôt que sur la génération à partir de zéro</a:t>
+            </a:r>
+          </a:p>
+          <a:p>
+            <a:r>
+              <a:rPr lang="fr-FR" dirty="0"/>
+              <a:t>Réfléchir à la pertinence et à la justesse des suggestions de l'IA, plutôt que de simplement les accepter</a:t>
+            </a:r>
+          </a:p>
+          <a:p>
+            <a:r>
+              <a:rPr lang="fr-FR" dirty="0"/>
+              <a:t>Importance du travail en équipe avec humain et agents LLM</a:t>
+            </a:r>
+          </a:p>
+          <a:p>
+            <a:r>
+              <a:rPr lang="fr-FR" dirty="0"/>
+              <a:t>Tous les à côté du code : documentation, tests, explications du code…</a:t>
             </a:r>
           </a:p>
         </p:txBody>
@@ -4569,7 +5268,7 @@
     </p:spTree>
     <p:extLst>
       <p:ext uri="{BB962C8B-B14F-4D97-AF65-F5344CB8AC3E}">
-        <p14:creationId xmlns:p14="http://schemas.microsoft.com/office/powerpoint/2010/main" val="1848149221"/>
+        <p14:creationId xmlns:p14="http://schemas.microsoft.com/office/powerpoint/2010/main" val="4223620700"/>
       </p:ext>
     </p:extLst>
   </p:cSld>
@@ -4601,7 +5300,7 @@
           <p:cNvPr id="2" name="Titre 1">
             <a:extLst>
               <a:ext uri="{FF2B5EF4-FFF2-40B4-BE49-F238E27FC236}">
-                <a16:creationId xmlns:a16="http://schemas.microsoft.com/office/drawing/2014/main" id="{5E99508C-9892-546D-E47F-FF7E9408EEA3}"/>
+                <a16:creationId xmlns:a16="http://schemas.microsoft.com/office/drawing/2014/main" id="{6AD955DE-24F1-809F-5063-BA1A06B03BC2}"/>
               </a:ext>
             </a:extLst>
           </p:cNvPr>
@@ -4619,7 +5318,7 @@
           <a:p>
             <a:r>
               <a:rPr lang="fr-FR" dirty="0"/>
-              <a:t>Perspective historique</a:t>
+              <a:t>Différence des profils</a:t>
             </a:r>
           </a:p>
         </p:txBody>
@@ -4629,7 +5328,7 @@
           <p:cNvPr id="3" name="Espace réservé du contenu 2">
             <a:extLst>
               <a:ext uri="{FF2B5EF4-FFF2-40B4-BE49-F238E27FC236}">
-                <a16:creationId xmlns:a16="http://schemas.microsoft.com/office/drawing/2014/main" id="{B08EDB0D-5FCD-EF50-D5D1-9041C2C3F2DF}"/>
+                <a16:creationId xmlns:a16="http://schemas.microsoft.com/office/drawing/2014/main" id="{F699C21E-580E-55F8-75CA-B4CAB44B490E}"/>
               </a:ext>
             </a:extLst>
           </p:cNvPr>
@@ -4647,25 +5346,34 @@
           <a:p>
             <a:r>
               <a:rPr lang="fr-FR" dirty="0"/>
-              <a:t>D’abord assembleur, puis langage bas niveau (type C), puis langage plus haut niveau (type Python) puis maintenant prompt ?</a:t>
-            </a:r>
-          </a:p>
-          <a:p>
-            <a:r>
-              <a:rPr lang="fr-FR" dirty="0"/>
-              <a:t>Comme la radio n’a pas fait disparaitre la presse écrite, comme la télévision n’a pas fait disparaitre la radio, comme internet n’a pas fait disparaitre la télévision…</a:t>
+              <a:t>Développeur occasionnel : quelques centaines de lignes de code</a:t>
+            </a:r>
+          </a:p>
+          <a:p>
+            <a:pPr marL="0" indent="0">
+              <a:buNone/>
+            </a:pPr>
+            <a:r>
+              <a:rPr lang="fr-FR" dirty="0"/>
+              <a:t>Aide pour des métiers où le code n’est pas le cœur du métier</a:t>
+            </a:r>
+          </a:p>
+          <a:p>
+            <a:pPr marL="0" indent="0">
+              <a:buNone/>
+            </a:pPr>
+            <a:r>
+              <a:rPr lang="fr-FR" dirty="0"/>
+              <a:t>Ouverture de la puissance de code à des métiers qui ne l’utilisent pas directement mais pas de conceptions complexes car limites à la compréhension globale</a:t>
             </a:r>
           </a:p>
           <a:p>
             <a:endParaRPr lang="fr-FR" dirty="0"/>
           </a:p>
           <a:p>
-            <a:pPr marL="0" indent="0">
-              <a:buNone/>
-            </a:pPr>
-            <a:r>
-              <a:rPr lang="fr-FR" dirty="0"/>
-              <a:t>Montée en abstraction, pas de remplacement mais ajout et nouveaux utilisateurs</a:t>
+            <a:r>
+              <a:rPr lang="fr-FR" dirty="0"/>
+              <a:t>Développeur full time : projet complet</a:t>
             </a:r>
           </a:p>
         </p:txBody>
@@ -4673,7 +5381,7 @@
     </p:spTree>
     <p:extLst>
       <p:ext uri="{BB962C8B-B14F-4D97-AF65-F5344CB8AC3E}">
-        <p14:creationId xmlns:p14="http://schemas.microsoft.com/office/powerpoint/2010/main" val="3705171013"/>
+        <p14:creationId xmlns:p14="http://schemas.microsoft.com/office/powerpoint/2010/main" val="43234648"/>
       </p:ext>
     </p:extLst>
   </p:cSld>
@@ -4705,7 +5413,7 @@
           <p:cNvPr id="2" name="Titre 1">
             <a:extLst>
               <a:ext uri="{FF2B5EF4-FFF2-40B4-BE49-F238E27FC236}">
-                <a16:creationId xmlns:a16="http://schemas.microsoft.com/office/drawing/2014/main" id="{6426E82A-5F7D-2BCD-8021-34D96336E1C0}"/>
+                <a16:creationId xmlns:a16="http://schemas.microsoft.com/office/drawing/2014/main" id="{38FA325A-943C-FB18-348A-A5274E5877AA}"/>
               </a:ext>
             </a:extLst>
           </p:cNvPr>
@@ -4723,242 +5431,41 @@
           <a:p>
             <a:r>
               <a:rPr lang="fr-FR" dirty="0"/>
-              <a:t>Perspective historique</a:t>
-            </a:r>
-          </a:p>
-        </p:txBody>
-      </p:sp>
-      <p:cxnSp>
-        <p:nvCxnSpPr>
-          <p:cNvPr id="5" name="Connecteur droit avec flèche 4">
-            <a:extLst>
-              <a:ext uri="{FF2B5EF4-FFF2-40B4-BE49-F238E27FC236}">
-                <a16:creationId xmlns:a16="http://schemas.microsoft.com/office/drawing/2014/main" id="{AF72E37C-F625-37F9-45E2-009D6B612EBC}"/>
-              </a:ext>
-            </a:extLst>
-          </p:cNvPr>
-          <p:cNvCxnSpPr/>
-          <p:nvPr/>
-        </p:nvCxnSpPr>
-        <p:spPr>
-          <a:xfrm>
-            <a:off x="1047750" y="5514976"/>
-            <a:ext cx="10306050" cy="0"/>
-          </a:xfrm>
-          <a:prstGeom prst="straightConnector1">
-            <a:avLst/>
-          </a:prstGeom>
-          <a:ln>
-            <a:tailEnd type="triangle"/>
-          </a:ln>
-        </p:spPr>
-        <p:style>
-          <a:lnRef idx="2">
-            <a:schemeClr val="accent1"/>
-          </a:lnRef>
-          <a:fillRef idx="0">
-            <a:schemeClr val="accent1"/>
-          </a:fillRef>
-          <a:effectRef idx="1">
-            <a:schemeClr val="accent1"/>
-          </a:effectRef>
-          <a:fontRef idx="minor">
-            <a:schemeClr val="tx1"/>
-          </a:fontRef>
-        </p:style>
-      </p:cxnSp>
-      <p:sp>
-        <p:nvSpPr>
-          <p:cNvPr id="6" name="Rectangle 5">
-            <a:extLst>
-              <a:ext uri="{FF2B5EF4-FFF2-40B4-BE49-F238E27FC236}">
-                <a16:creationId xmlns:a16="http://schemas.microsoft.com/office/drawing/2014/main" id="{78EB0D60-767C-43C5-268B-467F902B1C7B}"/>
-              </a:ext>
-            </a:extLst>
-          </p:cNvPr>
-          <p:cNvSpPr/>
-          <p:nvPr/>
-        </p:nvSpPr>
-        <p:spPr>
-          <a:xfrm>
-            <a:off x="1228725" y="1843089"/>
-            <a:ext cx="10125075" cy="276226"/>
-          </a:xfrm>
-          <a:prstGeom prst="rect">
-            <a:avLst/>
-          </a:prstGeom>
-        </p:spPr>
-        <p:style>
-          <a:lnRef idx="2">
-            <a:schemeClr val="accent1">
-              <a:shade val="15000"/>
-            </a:schemeClr>
-          </a:lnRef>
-          <a:fillRef idx="1">
-            <a:schemeClr val="accent1"/>
-          </a:fillRef>
-          <a:effectRef idx="0">
-            <a:schemeClr val="accent1"/>
-          </a:effectRef>
-          <a:fontRef idx="minor">
-            <a:schemeClr val="lt1"/>
-          </a:fontRef>
-        </p:style>
-        <p:txBody>
-          <a:bodyPr rtlCol="0" anchor="ctr"/>
-          <a:lstStyle/>
-          <a:p>
-            <a:pPr algn="ctr"/>
-            <a:r>
-              <a:rPr lang="fr-FR" dirty="0"/>
-              <a:t>Assembleur</a:t>
-            </a:r>
-          </a:p>
-        </p:txBody>
-      </p:sp>
-      <p:sp>
-        <p:nvSpPr>
-          <p:cNvPr id="7" name="Rectangle 6">
-            <a:extLst>
-              <a:ext uri="{FF2B5EF4-FFF2-40B4-BE49-F238E27FC236}">
-                <a16:creationId xmlns:a16="http://schemas.microsoft.com/office/drawing/2014/main" id="{183623F7-D5F2-83E9-30C7-923162BB4BE1}"/>
-              </a:ext>
-            </a:extLst>
-          </p:cNvPr>
-          <p:cNvSpPr/>
-          <p:nvPr/>
-        </p:nvSpPr>
-        <p:spPr>
-          <a:xfrm>
-            <a:off x="3514723" y="2568774"/>
-            <a:ext cx="7839075" cy="414337"/>
-          </a:xfrm>
-          <a:prstGeom prst="rect">
-            <a:avLst/>
-          </a:prstGeom>
-        </p:spPr>
-        <p:style>
-          <a:lnRef idx="2">
-            <a:schemeClr val="accent1">
-              <a:shade val="15000"/>
-            </a:schemeClr>
-          </a:lnRef>
-          <a:fillRef idx="1">
-            <a:schemeClr val="accent1"/>
-          </a:fillRef>
-          <a:effectRef idx="0">
-            <a:schemeClr val="accent1"/>
-          </a:effectRef>
-          <a:fontRef idx="minor">
-            <a:schemeClr val="lt1"/>
-          </a:fontRef>
-        </p:style>
-        <p:txBody>
-          <a:bodyPr rtlCol="0" anchor="ctr"/>
-          <a:lstStyle/>
-          <a:p>
-            <a:pPr algn="ctr"/>
-            <a:r>
-              <a:rPr lang="fr-FR" dirty="0"/>
-              <a:t>Langages bas niveau (type C)</a:t>
-            </a:r>
-          </a:p>
-        </p:txBody>
-      </p:sp>
-      <p:sp>
-        <p:nvSpPr>
-          <p:cNvPr id="8" name="Rectangle 7">
-            <a:extLst>
-              <a:ext uri="{FF2B5EF4-FFF2-40B4-BE49-F238E27FC236}">
-                <a16:creationId xmlns:a16="http://schemas.microsoft.com/office/drawing/2014/main" id="{B76AA7BF-F7D8-72A5-5934-9BBD6F119857}"/>
-              </a:ext>
-            </a:extLst>
-          </p:cNvPr>
-          <p:cNvSpPr/>
-          <p:nvPr/>
-        </p:nvSpPr>
-        <p:spPr>
-          <a:xfrm>
-            <a:off x="5929312" y="3380786"/>
-            <a:ext cx="5424486" cy="650677"/>
-          </a:xfrm>
-          <a:prstGeom prst="rect">
-            <a:avLst/>
-          </a:prstGeom>
-        </p:spPr>
-        <p:style>
-          <a:lnRef idx="2">
-            <a:schemeClr val="accent1">
-              <a:shade val="15000"/>
-            </a:schemeClr>
-          </a:lnRef>
-          <a:fillRef idx="1">
-            <a:schemeClr val="accent1"/>
-          </a:fillRef>
-          <a:effectRef idx="0">
-            <a:schemeClr val="accent1"/>
-          </a:effectRef>
-          <a:fontRef idx="minor">
-            <a:schemeClr val="lt1"/>
-          </a:fontRef>
-        </p:style>
-        <p:txBody>
-          <a:bodyPr rtlCol="0" anchor="ctr"/>
-          <a:lstStyle/>
-          <a:p>
-            <a:pPr algn="ctr"/>
-            <a:r>
-              <a:rPr lang="fr-FR" dirty="0"/>
-              <a:t>Langages haut niveau (type Python)</a:t>
-            </a:r>
-          </a:p>
-        </p:txBody>
-      </p:sp>
-      <p:sp>
-        <p:nvSpPr>
-          <p:cNvPr id="9" name="Rectangle 8">
-            <a:extLst>
-              <a:ext uri="{FF2B5EF4-FFF2-40B4-BE49-F238E27FC236}">
-                <a16:creationId xmlns:a16="http://schemas.microsoft.com/office/drawing/2014/main" id="{501E2E6D-39C2-EAB3-7EA9-5C399EEC155C}"/>
-              </a:ext>
-            </a:extLst>
-          </p:cNvPr>
-          <p:cNvSpPr/>
-          <p:nvPr/>
-        </p:nvSpPr>
-        <p:spPr>
-          <a:xfrm>
-            <a:off x="10172700" y="4330328"/>
-            <a:ext cx="1181098" cy="971533"/>
-          </a:xfrm>
-          <a:prstGeom prst="rect">
-            <a:avLst/>
-          </a:prstGeom>
-        </p:spPr>
-        <p:style>
-          <a:lnRef idx="2">
-            <a:schemeClr val="accent1">
-              <a:shade val="15000"/>
-            </a:schemeClr>
-          </a:lnRef>
-          <a:fillRef idx="1">
-            <a:schemeClr val="accent1"/>
-          </a:fillRef>
-          <a:effectRef idx="0">
-            <a:schemeClr val="accent1"/>
-          </a:effectRef>
-          <a:fontRef idx="minor">
-            <a:schemeClr val="lt1"/>
-          </a:fontRef>
-        </p:style>
-        <p:txBody>
-          <a:bodyPr rtlCol="0" anchor="ctr"/>
-          <a:lstStyle/>
-          <a:p>
-            <a:pPr algn="ctr"/>
-            <a:r>
-              <a:rPr lang="fr-FR" dirty="0"/>
-              <a:t>Langage naturel (prompt)</a:t>
+              <a:t>Différents outils</a:t>
+            </a:r>
+          </a:p>
+        </p:txBody>
+      </p:sp>
+      <p:sp>
+        <p:nvSpPr>
+          <p:cNvPr id="3" name="Espace réservé du contenu 2">
+            <a:extLst>
+              <a:ext uri="{FF2B5EF4-FFF2-40B4-BE49-F238E27FC236}">
+                <a16:creationId xmlns:a16="http://schemas.microsoft.com/office/drawing/2014/main" id="{131927D6-7A7F-83FB-0BFA-E5550973DB85}"/>
+              </a:ext>
+            </a:extLst>
+          </p:cNvPr>
+          <p:cNvSpPr>
+            <a:spLocks noGrp="1"/>
+          </p:cNvSpPr>
+          <p:nvPr>
+            <p:ph idx="1"/>
+          </p:nvPr>
+        </p:nvSpPr>
+        <p:spPr/>
+        <p:txBody>
+          <a:bodyPr/>
+          <a:lstStyle/>
+          <a:p>
+            <a:r>
+              <a:rPr lang="fr-FR" dirty="0"/>
+              <a:t>Canevas dans les outils d’IA générative généraliste : bien pour des tout petit script où la vérification se fait par le résultat final (limite à un seul fichier)</a:t>
+            </a:r>
+          </a:p>
+          <a:p>
+            <a:r>
+              <a:rPr lang="fr-FR" dirty="0"/>
+              <a:t>Autres outils plus poussés</a:t>
             </a:r>
           </a:p>
         </p:txBody>
@@ -4966,7 +5473,7 @@
     </p:spTree>
     <p:extLst>
       <p:ext uri="{BB962C8B-B14F-4D97-AF65-F5344CB8AC3E}">
-        <p14:creationId xmlns:p14="http://schemas.microsoft.com/office/powerpoint/2010/main" val="4289681149"/>
+        <p14:creationId xmlns:p14="http://schemas.microsoft.com/office/powerpoint/2010/main" val="2704356235"/>
       </p:ext>
     </p:extLst>
   </p:cSld>

--- a/Prez Pyconfr.pptx
+++ b/Prez Pyconfr.pptx
@@ -21,8 +21,9 @@
     <p:sldId id="265" r:id="rId15"/>
     <p:sldId id="266" r:id="rId16"/>
     <p:sldId id="267" r:id="rId17"/>
-    <p:sldId id="257" r:id="rId18"/>
-    <p:sldId id="264" r:id="rId19"/>
+    <p:sldId id="274" r:id="rId18"/>
+    <p:sldId id="257" r:id="rId19"/>
+    <p:sldId id="264" r:id="rId20"/>
   </p:sldIdLst>
   <p:sldSz cx="12192000" cy="6858000"/>
   <p:notesSz cx="6858000" cy="9144000"/>
@@ -276,7 +277,7 @@
           <a:p>
             <a:fld id="{9DDEEEAB-3696-4A1E-8142-33E8C20CD148}" type="datetimeFigureOut">
               <a:rPr lang="fr-FR" smtClean="0"/>
-              <a:t>21/09/2025</a:t>
+              <a:t>28/09/2025</a:t>
             </a:fld>
             <a:endParaRPr lang="fr-FR"/>
           </a:p>
@@ -474,7 +475,7 @@
           <a:p>
             <a:fld id="{9DDEEEAB-3696-4A1E-8142-33E8C20CD148}" type="datetimeFigureOut">
               <a:rPr lang="fr-FR" smtClean="0"/>
-              <a:t>21/09/2025</a:t>
+              <a:t>28/09/2025</a:t>
             </a:fld>
             <a:endParaRPr lang="fr-FR"/>
           </a:p>
@@ -682,7 +683,7 @@
           <a:p>
             <a:fld id="{9DDEEEAB-3696-4A1E-8142-33E8C20CD148}" type="datetimeFigureOut">
               <a:rPr lang="fr-FR" smtClean="0"/>
-              <a:t>21/09/2025</a:t>
+              <a:t>28/09/2025</a:t>
             </a:fld>
             <a:endParaRPr lang="fr-FR"/>
           </a:p>
@@ -880,7 +881,7 @@
           <a:p>
             <a:fld id="{9DDEEEAB-3696-4A1E-8142-33E8C20CD148}" type="datetimeFigureOut">
               <a:rPr lang="fr-FR" smtClean="0"/>
-              <a:t>21/09/2025</a:t>
+              <a:t>28/09/2025</a:t>
             </a:fld>
             <a:endParaRPr lang="fr-FR"/>
           </a:p>
@@ -1155,7 +1156,7 @@
           <a:p>
             <a:fld id="{9DDEEEAB-3696-4A1E-8142-33E8C20CD148}" type="datetimeFigureOut">
               <a:rPr lang="fr-FR" smtClean="0"/>
-              <a:t>21/09/2025</a:t>
+              <a:t>28/09/2025</a:t>
             </a:fld>
             <a:endParaRPr lang="fr-FR"/>
           </a:p>
@@ -1420,7 +1421,7 @@
           <a:p>
             <a:fld id="{9DDEEEAB-3696-4A1E-8142-33E8C20CD148}" type="datetimeFigureOut">
               <a:rPr lang="fr-FR" smtClean="0"/>
-              <a:t>21/09/2025</a:t>
+              <a:t>28/09/2025</a:t>
             </a:fld>
             <a:endParaRPr lang="fr-FR"/>
           </a:p>
@@ -1832,7 +1833,7 @@
           <a:p>
             <a:fld id="{9DDEEEAB-3696-4A1E-8142-33E8C20CD148}" type="datetimeFigureOut">
               <a:rPr lang="fr-FR" smtClean="0"/>
-              <a:t>21/09/2025</a:t>
+              <a:t>28/09/2025</a:t>
             </a:fld>
             <a:endParaRPr lang="fr-FR"/>
           </a:p>
@@ -1973,7 +1974,7 @@
           <a:p>
             <a:fld id="{9DDEEEAB-3696-4A1E-8142-33E8C20CD148}" type="datetimeFigureOut">
               <a:rPr lang="fr-FR" smtClean="0"/>
-              <a:t>21/09/2025</a:t>
+              <a:t>28/09/2025</a:t>
             </a:fld>
             <a:endParaRPr lang="fr-FR"/>
           </a:p>
@@ -2086,7 +2087,7 @@
           <a:p>
             <a:fld id="{9DDEEEAB-3696-4A1E-8142-33E8C20CD148}" type="datetimeFigureOut">
               <a:rPr lang="fr-FR" smtClean="0"/>
-              <a:t>21/09/2025</a:t>
+              <a:t>28/09/2025</a:t>
             </a:fld>
             <a:endParaRPr lang="fr-FR"/>
           </a:p>
@@ -2397,7 +2398,7 @@
           <a:p>
             <a:fld id="{9DDEEEAB-3696-4A1E-8142-33E8C20CD148}" type="datetimeFigureOut">
               <a:rPr lang="fr-FR" smtClean="0"/>
-              <a:t>21/09/2025</a:t>
+              <a:t>28/09/2025</a:t>
             </a:fld>
             <a:endParaRPr lang="fr-FR"/>
           </a:p>
@@ -2685,7 +2686,7 @@
           <a:p>
             <a:fld id="{9DDEEEAB-3696-4A1E-8142-33E8C20CD148}" type="datetimeFigureOut">
               <a:rPr lang="fr-FR" smtClean="0"/>
-              <a:t>21/09/2025</a:t>
+              <a:t>28/09/2025</a:t>
             </a:fld>
             <a:endParaRPr lang="fr-FR"/>
           </a:p>
@@ -2926,7 +2927,7 @@
           <a:p>
             <a:fld id="{9DDEEEAB-3696-4A1E-8142-33E8C20CD148}" type="datetimeFigureOut">
               <a:rPr lang="fr-FR" smtClean="0"/>
-              <a:t>21/09/2025</a:t>
+              <a:t>28/09/2025</a:t>
             </a:fld>
             <a:endParaRPr lang="fr-FR"/>
           </a:p>
@@ -4308,6 +4309,12 @@
               <a:t>Pour des script métier de quelques 100 ou 1000 de lignes de code, on peut concentrer sur le résultat</a:t>
             </a:r>
           </a:p>
+          <a:p>
+            <a:r>
+              <a:rPr lang="fr-FR" dirty="0"/>
+              <a:t>« Dette cognitive » avec l’IA générative (source : </a:t>
+            </a:r>
+          </a:p>
         </p:txBody>
       </p:sp>
     </p:spTree>
@@ -4345,6 +4352,101 @@
           <p:cNvPr id="2" name="Titre 1">
             <a:extLst>
               <a:ext uri="{FF2B5EF4-FFF2-40B4-BE49-F238E27FC236}">
+                <a16:creationId xmlns:a16="http://schemas.microsoft.com/office/drawing/2014/main" id="{D32C7EFB-1478-5DAA-4EAF-BC40656AEE12}"/>
+              </a:ext>
+            </a:extLst>
+          </p:cNvPr>
+          <p:cNvSpPr>
+            <a:spLocks noGrp="1"/>
+          </p:cNvSpPr>
+          <p:nvPr>
+            <p:ph type="title"/>
+          </p:nvPr>
+        </p:nvSpPr>
+        <p:spPr/>
+        <p:txBody>
+          <a:bodyPr/>
+          <a:lstStyle/>
+          <a:p>
+            <a:endParaRPr lang="fr-FR" dirty="0"/>
+          </a:p>
+        </p:txBody>
+      </p:sp>
+      <p:sp>
+        <p:nvSpPr>
+          <p:cNvPr id="3" name="Espace réservé du contenu 2">
+            <a:extLst>
+              <a:ext uri="{FF2B5EF4-FFF2-40B4-BE49-F238E27FC236}">
+                <a16:creationId xmlns:a16="http://schemas.microsoft.com/office/drawing/2014/main" id="{2718858B-7543-E12E-5D58-FE398A57962F}"/>
+              </a:ext>
+            </a:extLst>
+          </p:cNvPr>
+          <p:cNvSpPr>
+            <a:spLocks noGrp="1"/>
+          </p:cNvSpPr>
+          <p:nvPr>
+            <p:ph idx="1"/>
+          </p:nvPr>
+        </p:nvSpPr>
+        <p:spPr/>
+        <p:txBody>
+          <a:bodyPr/>
+          <a:lstStyle/>
+          <a:p>
+            <a:pPr marL="0" indent="0">
+              <a:buNone/>
+            </a:pPr>
+            <a:r>
+              <a:rPr lang="fr-FR" dirty="0"/>
+              <a:t>Lire, bon choix pour l’environnement et notre cerveau</a:t>
+            </a:r>
+          </a:p>
+          <a:p>
+            <a:pPr marL="0" indent="0">
+              <a:buNone/>
+            </a:pPr>
+            <a:r>
+              <a:rPr lang="fr-FR" dirty="0"/>
+              <a:t>Pour mieux utiliser l’IA générative et avoir un regard critique sur ses productions</a:t>
+            </a:r>
+          </a:p>
+        </p:txBody>
+      </p:sp>
+    </p:spTree>
+    <p:extLst>
+      <p:ext uri="{BB962C8B-B14F-4D97-AF65-F5344CB8AC3E}">
+        <p14:creationId xmlns:p14="http://schemas.microsoft.com/office/powerpoint/2010/main" val="1412981827"/>
+      </p:ext>
+    </p:extLst>
+  </p:cSld>
+  <p:clrMapOvr>
+    <a:masterClrMapping/>
+  </p:clrMapOvr>
+</p:sld>
+</file>
+
+<file path=ppt/slides/slide18.xml><?xml version="1.0" encoding="utf-8"?>
+<p:sld xmlns:a="http://schemas.openxmlformats.org/drawingml/2006/main" xmlns:r="http://schemas.openxmlformats.org/officeDocument/2006/relationships" xmlns:p="http://schemas.openxmlformats.org/presentationml/2006/main">
+  <p:cSld>
+    <p:spTree>
+      <p:nvGrpSpPr>
+        <p:cNvPr id="1" name=""/>
+        <p:cNvGrpSpPr/>
+        <p:nvPr/>
+      </p:nvGrpSpPr>
+      <p:grpSpPr>
+        <a:xfrm>
+          <a:off x="0" y="0"/>
+          <a:ext cx="0" cy="0"/>
+          <a:chOff x="0" y="0"/>
+          <a:chExt cx="0" cy="0"/>
+        </a:xfrm>
+      </p:grpSpPr>
+      <p:sp>
+        <p:nvSpPr>
+          <p:cNvPr id="2" name="Titre 1">
+            <a:extLst>
+              <a:ext uri="{FF2B5EF4-FFF2-40B4-BE49-F238E27FC236}">
                 <a16:creationId xmlns:a16="http://schemas.microsoft.com/office/drawing/2014/main" id="{12460BB9-8B40-1C49-AFDD-D59C677B0275}"/>
               </a:ext>
             </a:extLst>
@@ -4522,7 +4624,7 @@
 </p:sld>
 </file>
 
-<file path=ppt/slides/slide18.xml><?xml version="1.0" encoding="utf-8"?>
+<file path=ppt/slides/slide19.xml><?xml version="1.0" encoding="utf-8"?>
 <p:sld xmlns:a="http://schemas.openxmlformats.org/drawingml/2006/main" xmlns:r="http://schemas.openxmlformats.org/officeDocument/2006/relationships" xmlns:p="http://schemas.openxmlformats.org/presentationml/2006/main">
   <p:cSld>
     <p:spTree>
@@ -4805,15 +4907,129 @@
             <p:ph idx="1"/>
           </p:nvPr>
         </p:nvSpPr>
-        <p:spPr/>
-        <p:txBody>
-          <a:bodyPr/>
-          <a:lstStyle/>
-          <a:p>
-            <a:endParaRPr lang="fr-FR"/>
-          </a:p>
-        </p:txBody>
-      </p:sp>
+        <p:spPr>
+          <a:xfrm>
+            <a:off x="838199" y="1825625"/>
+            <a:ext cx="5873885" cy="2684910"/>
+          </a:xfrm>
+        </p:spPr>
+        <p:txBody>
+          <a:bodyPr>
+            <a:normAutofit fontScale="85000" lnSpcReduction="10000"/>
+          </a:bodyPr>
+          <a:lstStyle/>
+          <a:p>
+            <a:pPr marL="0" indent="0">
+              <a:buNone/>
+            </a:pPr>
+            <a:r>
+              <a:rPr lang="fr-FR" dirty="0"/>
+              <a:t>Différence entre savoir et connaissance</a:t>
+            </a:r>
+          </a:p>
+          <a:p>
+            <a:pPr marL="0" indent="0">
+              <a:buNone/>
+            </a:pPr>
+            <a:r>
+              <a:rPr lang="fr-FR" dirty="0"/>
+              <a:t>Différence avec le savoir de la machine (+3000 ans de lecture équivalente) mais pas contextualisé (-&gt; on ne pas tout savoir)</a:t>
+            </a:r>
+          </a:p>
+          <a:p>
+            <a:pPr marL="0" indent="0">
+              <a:buNone/>
+            </a:pPr>
+            <a:r>
+              <a:rPr lang="fr-FR" dirty="0"/>
+              <a:t>Licorne unipersonnelle</a:t>
+            </a:r>
+          </a:p>
+          <a:p>
+            <a:pPr marL="0" indent="0">
+              <a:buNone/>
+            </a:pPr>
+            <a:r>
+              <a:rPr lang="fr-FR" dirty="0"/>
+              <a:t>Exemple bug sur le nom du fichier python</a:t>
+            </a:r>
+          </a:p>
+          <a:p>
+            <a:pPr marL="0" indent="0">
+              <a:buNone/>
+            </a:pPr>
+            <a:r>
+              <a:rPr lang="fr-FR" dirty="0"/>
+              <a:t>Heures à lire </a:t>
+            </a:r>
+            <a:r>
+              <a:rPr lang="fr-FR" dirty="0" err="1"/>
+              <a:t>stackoverflow</a:t>
+            </a:r>
+            <a:endParaRPr lang="fr-FR" dirty="0"/>
+          </a:p>
+        </p:txBody>
+      </p:sp>
+      <p:pic>
+        <p:nvPicPr>
+          <p:cNvPr id="5" name="Image 4">
+            <a:extLst>
+              <a:ext uri="{FF2B5EF4-FFF2-40B4-BE49-F238E27FC236}">
+                <a16:creationId xmlns:a16="http://schemas.microsoft.com/office/drawing/2014/main" id="{BD4E7724-9E1D-86D3-69DD-5177B613D62B}"/>
+              </a:ext>
+            </a:extLst>
+          </p:cNvPr>
+          <p:cNvPicPr>
+            <a:picLocks noChangeAspect="1"/>
+          </p:cNvPicPr>
+          <p:nvPr/>
+        </p:nvPicPr>
+        <p:blipFill>
+          <a:blip r:embed="rId2"/>
+          <a:stretch>
+            <a:fillRect/>
+          </a:stretch>
+        </p:blipFill>
+        <p:spPr>
+          <a:xfrm>
+            <a:off x="9883303" y="1490219"/>
+            <a:ext cx="1805291" cy="2684910"/>
+          </a:xfrm>
+          <a:prstGeom prst="rect">
+            <a:avLst/>
+          </a:prstGeom>
+        </p:spPr>
+      </p:pic>
+      <p:pic>
+        <p:nvPicPr>
+          <p:cNvPr id="7" name="Image 6">
+            <a:extLst>
+              <a:ext uri="{FF2B5EF4-FFF2-40B4-BE49-F238E27FC236}">
+                <a16:creationId xmlns:a16="http://schemas.microsoft.com/office/drawing/2014/main" id="{AAC63276-B663-41CF-E07E-2FEAD413951B}"/>
+              </a:ext>
+            </a:extLst>
+          </p:cNvPr>
+          <p:cNvPicPr>
+            <a:picLocks noChangeAspect="1"/>
+          </p:cNvPicPr>
+          <p:nvPr/>
+        </p:nvPicPr>
+        <p:blipFill>
+          <a:blip r:embed="rId3"/>
+          <a:stretch>
+            <a:fillRect/>
+          </a:stretch>
+        </p:blipFill>
+        <p:spPr>
+          <a:xfrm>
+            <a:off x="7585124" y="3429000"/>
+            <a:ext cx="2081389" cy="2899713"/>
+          </a:xfrm>
+          <a:prstGeom prst="rect">
+            <a:avLst/>
+          </a:prstGeom>
+        </p:spPr>
+      </p:pic>
     </p:spTree>
     <p:extLst>
       <p:ext uri="{BB962C8B-B14F-4D97-AF65-F5344CB8AC3E}">

--- a/Prez Pyconfr.pptx
+++ b/Prez Pyconfr.pptx
@@ -277,7 +277,7 @@
           <a:p>
             <a:fld id="{9DDEEEAB-3696-4A1E-8142-33E8C20CD148}" type="datetimeFigureOut">
               <a:rPr lang="fr-FR" smtClean="0"/>
-              <a:t>28/09/2025</a:t>
+              <a:t>25/10/2025</a:t>
             </a:fld>
             <a:endParaRPr lang="fr-FR"/>
           </a:p>
@@ -475,7 +475,7 @@
           <a:p>
             <a:fld id="{9DDEEEAB-3696-4A1E-8142-33E8C20CD148}" type="datetimeFigureOut">
               <a:rPr lang="fr-FR" smtClean="0"/>
-              <a:t>28/09/2025</a:t>
+              <a:t>25/10/2025</a:t>
             </a:fld>
             <a:endParaRPr lang="fr-FR"/>
           </a:p>
@@ -683,7 +683,7 @@
           <a:p>
             <a:fld id="{9DDEEEAB-3696-4A1E-8142-33E8C20CD148}" type="datetimeFigureOut">
               <a:rPr lang="fr-FR" smtClean="0"/>
-              <a:t>28/09/2025</a:t>
+              <a:t>25/10/2025</a:t>
             </a:fld>
             <a:endParaRPr lang="fr-FR"/>
           </a:p>
@@ -881,7 +881,7 @@
           <a:p>
             <a:fld id="{9DDEEEAB-3696-4A1E-8142-33E8C20CD148}" type="datetimeFigureOut">
               <a:rPr lang="fr-FR" smtClean="0"/>
-              <a:t>28/09/2025</a:t>
+              <a:t>25/10/2025</a:t>
             </a:fld>
             <a:endParaRPr lang="fr-FR"/>
           </a:p>
@@ -1156,7 +1156,7 @@
           <a:p>
             <a:fld id="{9DDEEEAB-3696-4A1E-8142-33E8C20CD148}" type="datetimeFigureOut">
               <a:rPr lang="fr-FR" smtClean="0"/>
-              <a:t>28/09/2025</a:t>
+              <a:t>25/10/2025</a:t>
             </a:fld>
             <a:endParaRPr lang="fr-FR"/>
           </a:p>
@@ -1421,7 +1421,7 @@
           <a:p>
             <a:fld id="{9DDEEEAB-3696-4A1E-8142-33E8C20CD148}" type="datetimeFigureOut">
               <a:rPr lang="fr-FR" smtClean="0"/>
-              <a:t>28/09/2025</a:t>
+              <a:t>25/10/2025</a:t>
             </a:fld>
             <a:endParaRPr lang="fr-FR"/>
           </a:p>
@@ -1833,7 +1833,7 @@
           <a:p>
             <a:fld id="{9DDEEEAB-3696-4A1E-8142-33E8C20CD148}" type="datetimeFigureOut">
               <a:rPr lang="fr-FR" smtClean="0"/>
-              <a:t>28/09/2025</a:t>
+              <a:t>25/10/2025</a:t>
             </a:fld>
             <a:endParaRPr lang="fr-FR"/>
           </a:p>
@@ -1974,7 +1974,7 @@
           <a:p>
             <a:fld id="{9DDEEEAB-3696-4A1E-8142-33E8C20CD148}" type="datetimeFigureOut">
               <a:rPr lang="fr-FR" smtClean="0"/>
-              <a:t>28/09/2025</a:t>
+              <a:t>25/10/2025</a:t>
             </a:fld>
             <a:endParaRPr lang="fr-FR"/>
           </a:p>
@@ -2087,7 +2087,7 @@
           <a:p>
             <a:fld id="{9DDEEEAB-3696-4A1E-8142-33E8C20CD148}" type="datetimeFigureOut">
               <a:rPr lang="fr-FR" smtClean="0"/>
-              <a:t>28/09/2025</a:t>
+              <a:t>25/10/2025</a:t>
             </a:fld>
             <a:endParaRPr lang="fr-FR"/>
           </a:p>
@@ -2398,7 +2398,7 @@
           <a:p>
             <a:fld id="{9DDEEEAB-3696-4A1E-8142-33E8C20CD148}" type="datetimeFigureOut">
               <a:rPr lang="fr-FR" smtClean="0"/>
-              <a:t>28/09/2025</a:t>
+              <a:t>25/10/2025</a:t>
             </a:fld>
             <a:endParaRPr lang="fr-FR"/>
           </a:p>
@@ -2686,7 +2686,7 @@
           <a:p>
             <a:fld id="{9DDEEEAB-3696-4A1E-8142-33E8C20CD148}" type="datetimeFigureOut">
               <a:rPr lang="fr-FR" smtClean="0"/>
-              <a:t>28/09/2025</a:t>
+              <a:t>25/10/2025</a:t>
             </a:fld>
             <a:endParaRPr lang="fr-FR"/>
           </a:p>
@@ -2927,7 +2927,7 @@
           <a:p>
             <a:fld id="{9DDEEEAB-3696-4A1E-8142-33E8C20CD148}" type="datetimeFigureOut">
               <a:rPr lang="fr-FR" smtClean="0"/>
-              <a:t>28/09/2025</a:t>
+              <a:t>25/10/2025</a:t>
             </a:fld>
             <a:endParaRPr lang="fr-FR"/>
           </a:p>
@@ -3597,6 +3597,14 @@
               <a:rPr lang="fr-FR" dirty="0" err="1"/>
               <a:t>Ollama</a:t>
             </a:r>
+            <a:r>
+              <a:rPr lang="fr-FR" dirty="0"/>
+              <a:t> moins bon mais meilleure maitrise </a:t>
+            </a:r>
+            <a:r>
+              <a:rPr lang="fr-FR"/>
+              <a:t>sur l’outil</a:t>
+            </a:r>
             <a:endParaRPr lang="fr-FR" dirty="0"/>
           </a:p>
         </p:txBody>
@@ -5121,6 +5129,51 @@
             <a:r>
               <a:rPr lang="fr-FR" dirty="0"/>
               <a:t>L’objectif d’apprendre le Python, ce n’est pas d’écrire du code mais avoir un impact sur le monde</a:t>
+            </a:r>
+          </a:p>
+          <a:p>
+            <a:pPr marL="0" indent="0">
+              <a:buNone/>
+            </a:pPr>
+            <a:endParaRPr lang="fr-FR" dirty="0"/>
+          </a:p>
+          <a:p>
+            <a:pPr marL="0" indent="0">
+              <a:buNone/>
+            </a:pPr>
+            <a:r>
+              <a:rPr lang="fr-FR" dirty="0"/>
+              <a:t>Lire beaucoup plus de code qu’on en écrit, encore plus vrai maintenant avec l’IA générative</a:t>
+            </a:r>
+          </a:p>
+          <a:p>
+            <a:pPr marL="0" indent="0">
+              <a:buNone/>
+            </a:pPr>
+            <a:endParaRPr lang="fr-FR" dirty="0"/>
+          </a:p>
+          <a:p>
+            <a:pPr marL="0" indent="0">
+              <a:buNone/>
+            </a:pPr>
+            <a:r>
+              <a:rPr lang="fr-FR" dirty="0"/>
+              <a:t>Exemple avec l’explication de code généré avec erreur ou pas</a:t>
+            </a:r>
+          </a:p>
+          <a:p>
+            <a:pPr marL="0" indent="0">
+              <a:buNone/>
+            </a:pPr>
+            <a:endParaRPr lang="fr-FR" dirty="0"/>
+          </a:p>
+          <a:p>
+            <a:pPr marL="0" indent="0">
+              <a:buNone/>
+            </a:pPr>
+            <a:r>
+              <a:rPr lang="fr-FR" dirty="0"/>
+              <a:t>C’est la réflexion et l’esprit critique qui est important</a:t>
             </a:r>
           </a:p>
         </p:txBody>
